--- a/PPT/Class period 14.pptx
+++ b/PPT/Class period 14.pptx
@@ -205,9 +205,9 @@
             </a:lvl1pPr>
           </a:lstStyle>
           <a:p>
-            <a:fld id="{CE9CF4A9-CDA4-4B9F-91B7-BE68F4C42B7E}" type="datetimeFigureOut">
+            <a:fld id="{1A0BC505-366C-4E81-960D-D1D0B5E59787}" type="datetimeFigureOut">
               <a:rPr lang="en-US" smtClean="0"/>
-              <a:t>4/20/2024</a:t>
+              <a:t>5/15/2024</a:t>
             </a:fld>
             <a:endParaRPr lang="en-US"/>
           </a:p>
@@ -363,7 +363,7 @@
             </a:lvl1pPr>
           </a:lstStyle>
           <a:p>
-            <a:fld id="{6EF25FEB-AD85-41C1-8E29-CA1E21215865}" type="slidenum">
+            <a:fld id="{4DC5DEB1-387E-499C-BE1D-D6D2F0165EDE}" type="slidenum">
               <a:rPr lang="en-US" smtClean="0"/>
               <a:t>‹#›</a:t>
             </a:fld>
@@ -374,7 +374,7 @@
     </p:spTree>
     <p:extLst>
       <p:ext uri="{BB962C8B-B14F-4D97-AF65-F5344CB8AC3E}">
-        <p14:creationId xmlns:p14="http://schemas.microsoft.com/office/powerpoint/2010/main" val="1270611057"/>
+        <p14:creationId xmlns:p14="http://schemas.microsoft.com/office/powerpoint/2010/main" val="2009613143"/>
       </p:ext>
     </p:extLst>
   </p:cSld>
@@ -580,7 +580,7 @@
           <p:cNvPr id="2" name="Title 1">
             <a:extLst>
               <a:ext uri="{FF2B5EF4-FFF2-40B4-BE49-F238E27FC236}">
-                <a16:creationId xmlns:a16="http://schemas.microsoft.com/office/drawing/2014/main" id="{D2142181-0CBD-7FA9-E718-EB38EFB8DD17}"/>
+                <a16:creationId xmlns:a16="http://schemas.microsoft.com/office/drawing/2014/main" id="{8C9BF987-D3FA-E7BF-C05C-F6E17E221259}"/>
               </a:ext>
             </a:extLst>
           </p:cNvPr>
@@ -617,7 +617,7 @@
           <p:cNvPr id="3" name="Subtitle 2">
             <a:extLst>
               <a:ext uri="{FF2B5EF4-FFF2-40B4-BE49-F238E27FC236}">
-                <a16:creationId xmlns:a16="http://schemas.microsoft.com/office/drawing/2014/main" id="{560A1FAB-8A70-27A7-CD21-B5F05D4CD9C3}"/>
+                <a16:creationId xmlns:a16="http://schemas.microsoft.com/office/drawing/2014/main" id="{5ED8F1BD-859D-2765-C1CC-CB33F00CD5A4}"/>
               </a:ext>
             </a:extLst>
           </p:cNvPr>
@@ -687,7 +687,7 @@
           <p:cNvPr id="4" name="Date Placeholder 3">
             <a:extLst>
               <a:ext uri="{FF2B5EF4-FFF2-40B4-BE49-F238E27FC236}">
-                <a16:creationId xmlns:a16="http://schemas.microsoft.com/office/drawing/2014/main" id="{B105E746-1B25-CB62-755B-69C96AFC3F08}"/>
+                <a16:creationId xmlns:a16="http://schemas.microsoft.com/office/drawing/2014/main" id="{2467DF35-B87E-C6E2-BE94-12B9D2D12A09}"/>
               </a:ext>
             </a:extLst>
           </p:cNvPr>
@@ -703,9 +703,9 @@
           <a:bodyPr/>
           <a:lstStyle/>
           <a:p>
-            <a:fld id="{D4770CCD-7C14-4F61-B022-4622158215B7}" type="datetimeFigureOut">
+            <a:fld id="{8EF3DADF-C3B3-4CC9-BB8E-57B8B4487123}" type="datetimeFigureOut">
               <a:rPr lang="en-US" smtClean="0"/>
-              <a:t>4/20/2024</a:t>
+              <a:t>5/15/2024</a:t>
             </a:fld>
             <a:endParaRPr lang="en-US"/>
           </a:p>
@@ -716,7 +716,7 @@
           <p:cNvPr id="5" name="Footer Placeholder 4">
             <a:extLst>
               <a:ext uri="{FF2B5EF4-FFF2-40B4-BE49-F238E27FC236}">
-                <a16:creationId xmlns:a16="http://schemas.microsoft.com/office/drawing/2014/main" id="{2E0736A4-8000-BF28-2A9D-D26E6A9F9557}"/>
+                <a16:creationId xmlns:a16="http://schemas.microsoft.com/office/drawing/2014/main" id="{1EABFD6F-1D31-D569-A3C7-9D6A889217DE}"/>
               </a:ext>
             </a:extLst>
           </p:cNvPr>
@@ -741,7 +741,7 @@
           <p:cNvPr id="6" name="Slide Number Placeholder 5">
             <a:extLst>
               <a:ext uri="{FF2B5EF4-FFF2-40B4-BE49-F238E27FC236}">
-                <a16:creationId xmlns:a16="http://schemas.microsoft.com/office/drawing/2014/main" id="{363EE4CD-460F-1573-277B-D1EAF6A15934}"/>
+                <a16:creationId xmlns:a16="http://schemas.microsoft.com/office/drawing/2014/main" id="{8B3019BF-3905-55D3-0AFF-81884B6A135B}"/>
               </a:ext>
             </a:extLst>
           </p:cNvPr>
@@ -757,7 +757,7 @@
           <a:bodyPr/>
           <a:lstStyle/>
           <a:p>
-            <a:fld id="{54DB6152-6236-4A64-83EE-09ED842B467F}" type="slidenum">
+            <a:fld id="{395CD5BE-09C0-40B5-BDBA-50FC191B8F2F}" type="slidenum">
               <a:rPr lang="en-US" smtClean="0"/>
               <a:t>‹#›</a:t>
             </a:fld>
@@ -768,7 +768,7 @@
     </p:spTree>
     <p:extLst>
       <p:ext uri="{BB962C8B-B14F-4D97-AF65-F5344CB8AC3E}">
-        <p14:creationId xmlns:p14="http://schemas.microsoft.com/office/powerpoint/2010/main" val="1302301336"/>
+        <p14:creationId xmlns:p14="http://schemas.microsoft.com/office/powerpoint/2010/main" val="1815021262"/>
       </p:ext>
     </p:extLst>
   </p:cSld>
@@ -800,7 +800,7 @@
           <p:cNvPr id="2" name="Title 1">
             <a:extLst>
               <a:ext uri="{FF2B5EF4-FFF2-40B4-BE49-F238E27FC236}">
-                <a16:creationId xmlns:a16="http://schemas.microsoft.com/office/drawing/2014/main" id="{231C150E-00AE-CFB7-25B0-8414FA5CF601}"/>
+                <a16:creationId xmlns:a16="http://schemas.microsoft.com/office/drawing/2014/main" id="{6D0D4525-CA9C-248A-4E9B-1A405B1C06DA}"/>
               </a:ext>
             </a:extLst>
           </p:cNvPr>
@@ -828,7 +828,7 @@
           <p:cNvPr id="3" name="Vertical Text Placeholder 2">
             <a:extLst>
               <a:ext uri="{FF2B5EF4-FFF2-40B4-BE49-F238E27FC236}">
-                <a16:creationId xmlns:a16="http://schemas.microsoft.com/office/drawing/2014/main" id="{0D53EA63-8D69-3CDB-89C5-CEAB442729E9}"/>
+                <a16:creationId xmlns:a16="http://schemas.microsoft.com/office/drawing/2014/main" id="{9BA0540A-FA43-ABEA-ED49-26BFCDB733EA}"/>
               </a:ext>
             </a:extLst>
           </p:cNvPr>
@@ -885,7 +885,7 @@
           <p:cNvPr id="4" name="Date Placeholder 3">
             <a:extLst>
               <a:ext uri="{FF2B5EF4-FFF2-40B4-BE49-F238E27FC236}">
-                <a16:creationId xmlns:a16="http://schemas.microsoft.com/office/drawing/2014/main" id="{3521920B-9068-E96E-4E9A-BFE89743772F}"/>
+                <a16:creationId xmlns:a16="http://schemas.microsoft.com/office/drawing/2014/main" id="{FC00951B-F460-8904-57BD-131B8E60ACAC}"/>
               </a:ext>
             </a:extLst>
           </p:cNvPr>
@@ -901,9 +901,9 @@
           <a:bodyPr/>
           <a:lstStyle/>
           <a:p>
-            <a:fld id="{D4770CCD-7C14-4F61-B022-4622158215B7}" type="datetimeFigureOut">
+            <a:fld id="{8EF3DADF-C3B3-4CC9-BB8E-57B8B4487123}" type="datetimeFigureOut">
               <a:rPr lang="en-US" smtClean="0"/>
-              <a:t>4/20/2024</a:t>
+              <a:t>5/15/2024</a:t>
             </a:fld>
             <a:endParaRPr lang="en-US"/>
           </a:p>
@@ -914,7 +914,7 @@
           <p:cNvPr id="5" name="Footer Placeholder 4">
             <a:extLst>
               <a:ext uri="{FF2B5EF4-FFF2-40B4-BE49-F238E27FC236}">
-                <a16:creationId xmlns:a16="http://schemas.microsoft.com/office/drawing/2014/main" id="{A2E15C44-8745-19D8-8CD3-4EA106E872D5}"/>
+                <a16:creationId xmlns:a16="http://schemas.microsoft.com/office/drawing/2014/main" id="{4C88A00F-A54C-D243-8A08-7ADB9E9A3892}"/>
               </a:ext>
             </a:extLst>
           </p:cNvPr>
@@ -939,7 +939,7 @@
           <p:cNvPr id="6" name="Slide Number Placeholder 5">
             <a:extLst>
               <a:ext uri="{FF2B5EF4-FFF2-40B4-BE49-F238E27FC236}">
-                <a16:creationId xmlns:a16="http://schemas.microsoft.com/office/drawing/2014/main" id="{191D04FB-1AF9-658E-4A50-687B3A6EF900}"/>
+                <a16:creationId xmlns:a16="http://schemas.microsoft.com/office/drawing/2014/main" id="{2A944545-865F-95C2-9BC0-975E05BCCA60}"/>
               </a:ext>
             </a:extLst>
           </p:cNvPr>
@@ -955,7 +955,7 @@
           <a:bodyPr/>
           <a:lstStyle/>
           <a:p>
-            <a:fld id="{54DB6152-6236-4A64-83EE-09ED842B467F}" type="slidenum">
+            <a:fld id="{395CD5BE-09C0-40B5-BDBA-50FC191B8F2F}" type="slidenum">
               <a:rPr lang="en-US" smtClean="0"/>
               <a:t>‹#›</a:t>
             </a:fld>
@@ -966,7 +966,7 @@
     </p:spTree>
     <p:extLst>
       <p:ext uri="{BB962C8B-B14F-4D97-AF65-F5344CB8AC3E}">
-        <p14:creationId xmlns:p14="http://schemas.microsoft.com/office/powerpoint/2010/main" val="3763830906"/>
+        <p14:creationId xmlns:p14="http://schemas.microsoft.com/office/powerpoint/2010/main" val="3850008385"/>
       </p:ext>
     </p:extLst>
   </p:cSld>
@@ -998,7 +998,7 @@
           <p:cNvPr id="2" name="Vertical Title 1">
             <a:extLst>
               <a:ext uri="{FF2B5EF4-FFF2-40B4-BE49-F238E27FC236}">
-                <a16:creationId xmlns:a16="http://schemas.microsoft.com/office/drawing/2014/main" id="{88CF8E65-B513-9BB9-01E9-35DA6672B8B6}"/>
+                <a16:creationId xmlns:a16="http://schemas.microsoft.com/office/drawing/2014/main" id="{CE6FD359-2926-E6EB-E77A-A57205552278}"/>
               </a:ext>
             </a:extLst>
           </p:cNvPr>
@@ -1031,7 +1031,7 @@
           <p:cNvPr id="3" name="Vertical Text Placeholder 2">
             <a:extLst>
               <a:ext uri="{FF2B5EF4-FFF2-40B4-BE49-F238E27FC236}">
-                <a16:creationId xmlns:a16="http://schemas.microsoft.com/office/drawing/2014/main" id="{C7F5B203-F213-35E6-8340-38155C238028}"/>
+                <a16:creationId xmlns:a16="http://schemas.microsoft.com/office/drawing/2014/main" id="{59EF5331-F36C-9248-B8C9-A2D825424B38}"/>
               </a:ext>
             </a:extLst>
           </p:cNvPr>
@@ -1093,7 +1093,7 @@
           <p:cNvPr id="4" name="Date Placeholder 3">
             <a:extLst>
               <a:ext uri="{FF2B5EF4-FFF2-40B4-BE49-F238E27FC236}">
-                <a16:creationId xmlns:a16="http://schemas.microsoft.com/office/drawing/2014/main" id="{D87FE181-70AA-8A02-57D6-2212F89AB538}"/>
+                <a16:creationId xmlns:a16="http://schemas.microsoft.com/office/drawing/2014/main" id="{6BBFDDC0-29AD-5FC4-44A0-082244CDE0E4}"/>
               </a:ext>
             </a:extLst>
           </p:cNvPr>
@@ -1109,9 +1109,9 @@
           <a:bodyPr/>
           <a:lstStyle/>
           <a:p>
-            <a:fld id="{D4770CCD-7C14-4F61-B022-4622158215B7}" type="datetimeFigureOut">
+            <a:fld id="{8EF3DADF-C3B3-4CC9-BB8E-57B8B4487123}" type="datetimeFigureOut">
               <a:rPr lang="en-US" smtClean="0"/>
-              <a:t>4/20/2024</a:t>
+              <a:t>5/15/2024</a:t>
             </a:fld>
             <a:endParaRPr lang="en-US"/>
           </a:p>
@@ -1122,7 +1122,7 @@
           <p:cNvPr id="5" name="Footer Placeholder 4">
             <a:extLst>
               <a:ext uri="{FF2B5EF4-FFF2-40B4-BE49-F238E27FC236}">
-                <a16:creationId xmlns:a16="http://schemas.microsoft.com/office/drawing/2014/main" id="{D1FFCFC6-D98E-6DFE-56CC-0F5FC5A9B270}"/>
+                <a16:creationId xmlns:a16="http://schemas.microsoft.com/office/drawing/2014/main" id="{45C2B752-72BF-97C1-06C1-7630EC4355CA}"/>
               </a:ext>
             </a:extLst>
           </p:cNvPr>
@@ -1147,7 +1147,7 @@
           <p:cNvPr id="6" name="Slide Number Placeholder 5">
             <a:extLst>
               <a:ext uri="{FF2B5EF4-FFF2-40B4-BE49-F238E27FC236}">
-                <a16:creationId xmlns:a16="http://schemas.microsoft.com/office/drawing/2014/main" id="{44405C71-C1B6-4AFE-39C8-D44309D4DCC2}"/>
+                <a16:creationId xmlns:a16="http://schemas.microsoft.com/office/drawing/2014/main" id="{3CD1207F-BBD0-2420-36D8-A36CB384BC9E}"/>
               </a:ext>
             </a:extLst>
           </p:cNvPr>
@@ -1163,7 +1163,7 @@
           <a:bodyPr/>
           <a:lstStyle/>
           <a:p>
-            <a:fld id="{54DB6152-6236-4A64-83EE-09ED842B467F}" type="slidenum">
+            <a:fld id="{395CD5BE-09C0-40B5-BDBA-50FC191B8F2F}" type="slidenum">
               <a:rPr lang="en-US" smtClean="0"/>
               <a:t>‹#›</a:t>
             </a:fld>
@@ -1174,7 +1174,7 @@
     </p:spTree>
     <p:extLst>
       <p:ext uri="{BB962C8B-B14F-4D97-AF65-F5344CB8AC3E}">
-        <p14:creationId xmlns:p14="http://schemas.microsoft.com/office/powerpoint/2010/main" val="1670346674"/>
+        <p14:creationId xmlns:p14="http://schemas.microsoft.com/office/powerpoint/2010/main" val="1539524227"/>
       </p:ext>
     </p:extLst>
   </p:cSld>
@@ -1206,7 +1206,7 @@
           <p:cNvPr id="2" name="Title 1">
             <a:extLst>
               <a:ext uri="{FF2B5EF4-FFF2-40B4-BE49-F238E27FC236}">
-                <a16:creationId xmlns:a16="http://schemas.microsoft.com/office/drawing/2014/main" id="{A5656674-9035-7CF7-FEF3-944F789D081D}"/>
+                <a16:creationId xmlns:a16="http://schemas.microsoft.com/office/drawing/2014/main" id="{25A95202-7D3C-0058-500D-21D504F93D65}"/>
               </a:ext>
             </a:extLst>
           </p:cNvPr>
@@ -1234,7 +1234,7 @@
           <p:cNvPr id="3" name="Content Placeholder 2">
             <a:extLst>
               <a:ext uri="{FF2B5EF4-FFF2-40B4-BE49-F238E27FC236}">
-                <a16:creationId xmlns:a16="http://schemas.microsoft.com/office/drawing/2014/main" id="{5BE3D840-93B5-58BF-A0DD-0F3A6AD52352}"/>
+                <a16:creationId xmlns:a16="http://schemas.microsoft.com/office/drawing/2014/main" id="{4F817370-EC6B-4438-5B32-D92AB17623AE}"/>
               </a:ext>
             </a:extLst>
           </p:cNvPr>
@@ -1291,7 +1291,7 @@
           <p:cNvPr id="4" name="Date Placeholder 3">
             <a:extLst>
               <a:ext uri="{FF2B5EF4-FFF2-40B4-BE49-F238E27FC236}">
-                <a16:creationId xmlns:a16="http://schemas.microsoft.com/office/drawing/2014/main" id="{CB2690AA-BFFD-ED0F-B7B5-D30681590B4A}"/>
+                <a16:creationId xmlns:a16="http://schemas.microsoft.com/office/drawing/2014/main" id="{0C069457-6EE4-6220-F71D-4FF5E25400A4}"/>
               </a:ext>
             </a:extLst>
           </p:cNvPr>
@@ -1307,9 +1307,9 @@
           <a:bodyPr/>
           <a:lstStyle/>
           <a:p>
-            <a:fld id="{D4770CCD-7C14-4F61-B022-4622158215B7}" type="datetimeFigureOut">
+            <a:fld id="{8EF3DADF-C3B3-4CC9-BB8E-57B8B4487123}" type="datetimeFigureOut">
               <a:rPr lang="en-US" smtClean="0"/>
-              <a:t>4/20/2024</a:t>
+              <a:t>5/15/2024</a:t>
             </a:fld>
             <a:endParaRPr lang="en-US"/>
           </a:p>
@@ -1320,7 +1320,7 @@
           <p:cNvPr id="5" name="Footer Placeholder 4">
             <a:extLst>
               <a:ext uri="{FF2B5EF4-FFF2-40B4-BE49-F238E27FC236}">
-                <a16:creationId xmlns:a16="http://schemas.microsoft.com/office/drawing/2014/main" id="{655D91C4-FCF9-AD20-7E1E-9B034A4BCDB1}"/>
+                <a16:creationId xmlns:a16="http://schemas.microsoft.com/office/drawing/2014/main" id="{85195B67-3FBF-DC6C-0D5D-5F8E07BC3A05}"/>
               </a:ext>
             </a:extLst>
           </p:cNvPr>
@@ -1345,7 +1345,7 @@
           <p:cNvPr id="6" name="Slide Number Placeholder 5">
             <a:extLst>
               <a:ext uri="{FF2B5EF4-FFF2-40B4-BE49-F238E27FC236}">
-                <a16:creationId xmlns:a16="http://schemas.microsoft.com/office/drawing/2014/main" id="{3D4955E6-3058-A359-471F-D480E3A40AC4}"/>
+                <a16:creationId xmlns:a16="http://schemas.microsoft.com/office/drawing/2014/main" id="{C06130D1-3ADB-68E4-7A6D-A4ABD9128BE3}"/>
               </a:ext>
             </a:extLst>
           </p:cNvPr>
@@ -1361,7 +1361,7 @@
           <a:bodyPr/>
           <a:lstStyle/>
           <a:p>
-            <a:fld id="{54DB6152-6236-4A64-83EE-09ED842B467F}" type="slidenum">
+            <a:fld id="{395CD5BE-09C0-40B5-BDBA-50FC191B8F2F}" type="slidenum">
               <a:rPr lang="en-US" smtClean="0"/>
               <a:t>‹#›</a:t>
             </a:fld>
@@ -1372,7 +1372,7 @@
     </p:spTree>
     <p:extLst>
       <p:ext uri="{BB962C8B-B14F-4D97-AF65-F5344CB8AC3E}">
-        <p14:creationId xmlns:p14="http://schemas.microsoft.com/office/powerpoint/2010/main" val="397348187"/>
+        <p14:creationId xmlns:p14="http://schemas.microsoft.com/office/powerpoint/2010/main" val="1206383006"/>
       </p:ext>
     </p:extLst>
   </p:cSld>
@@ -1404,7 +1404,7 @@
           <p:cNvPr id="2" name="Title 1">
             <a:extLst>
               <a:ext uri="{FF2B5EF4-FFF2-40B4-BE49-F238E27FC236}">
-                <a16:creationId xmlns:a16="http://schemas.microsoft.com/office/drawing/2014/main" id="{968C5C85-B034-0081-13F1-F9C33D1E3550}"/>
+                <a16:creationId xmlns:a16="http://schemas.microsoft.com/office/drawing/2014/main" id="{A5478D60-48DB-1657-94D6-32D2E25F1983}"/>
               </a:ext>
             </a:extLst>
           </p:cNvPr>
@@ -1441,7 +1441,7 @@
           <p:cNvPr id="3" name="Text Placeholder 2">
             <a:extLst>
               <a:ext uri="{FF2B5EF4-FFF2-40B4-BE49-F238E27FC236}">
-                <a16:creationId xmlns:a16="http://schemas.microsoft.com/office/drawing/2014/main" id="{F2CA225D-BC3E-F195-5453-52178ED1D091}"/>
+                <a16:creationId xmlns:a16="http://schemas.microsoft.com/office/drawing/2014/main" id="{6AE3BCCF-0C1D-D890-A911-505510AFA5E7}"/>
               </a:ext>
             </a:extLst>
           </p:cNvPr>
@@ -1566,7 +1566,7 @@
           <p:cNvPr id="4" name="Date Placeholder 3">
             <a:extLst>
               <a:ext uri="{FF2B5EF4-FFF2-40B4-BE49-F238E27FC236}">
-                <a16:creationId xmlns:a16="http://schemas.microsoft.com/office/drawing/2014/main" id="{D0A12B2A-518D-64FC-B0BA-F8D00483F805}"/>
+                <a16:creationId xmlns:a16="http://schemas.microsoft.com/office/drawing/2014/main" id="{61BD1A1B-34B9-24A8-01B8-F70CE0CFB29E}"/>
               </a:ext>
             </a:extLst>
           </p:cNvPr>
@@ -1582,9 +1582,9 @@
           <a:bodyPr/>
           <a:lstStyle/>
           <a:p>
-            <a:fld id="{D4770CCD-7C14-4F61-B022-4622158215B7}" type="datetimeFigureOut">
+            <a:fld id="{8EF3DADF-C3B3-4CC9-BB8E-57B8B4487123}" type="datetimeFigureOut">
               <a:rPr lang="en-US" smtClean="0"/>
-              <a:t>4/20/2024</a:t>
+              <a:t>5/15/2024</a:t>
             </a:fld>
             <a:endParaRPr lang="en-US"/>
           </a:p>
@@ -1595,7 +1595,7 @@
           <p:cNvPr id="5" name="Footer Placeholder 4">
             <a:extLst>
               <a:ext uri="{FF2B5EF4-FFF2-40B4-BE49-F238E27FC236}">
-                <a16:creationId xmlns:a16="http://schemas.microsoft.com/office/drawing/2014/main" id="{9413D8B1-05C5-ECEA-BC35-0E23993FA9AE}"/>
+                <a16:creationId xmlns:a16="http://schemas.microsoft.com/office/drawing/2014/main" id="{D713A021-009B-5498-F3F2-4369785A591A}"/>
               </a:ext>
             </a:extLst>
           </p:cNvPr>
@@ -1620,7 +1620,7 @@
           <p:cNvPr id="6" name="Slide Number Placeholder 5">
             <a:extLst>
               <a:ext uri="{FF2B5EF4-FFF2-40B4-BE49-F238E27FC236}">
-                <a16:creationId xmlns:a16="http://schemas.microsoft.com/office/drawing/2014/main" id="{2C5C6770-FC14-1ACA-5B25-2BC4B31D691E}"/>
+                <a16:creationId xmlns:a16="http://schemas.microsoft.com/office/drawing/2014/main" id="{DE181515-8CA8-674E-EA3A-304CFD1FB1C6}"/>
               </a:ext>
             </a:extLst>
           </p:cNvPr>
@@ -1636,7 +1636,7 @@
           <a:bodyPr/>
           <a:lstStyle/>
           <a:p>
-            <a:fld id="{54DB6152-6236-4A64-83EE-09ED842B467F}" type="slidenum">
+            <a:fld id="{395CD5BE-09C0-40B5-BDBA-50FC191B8F2F}" type="slidenum">
               <a:rPr lang="en-US" smtClean="0"/>
               <a:t>‹#›</a:t>
             </a:fld>
@@ -1647,7 +1647,7 @@
     </p:spTree>
     <p:extLst>
       <p:ext uri="{BB962C8B-B14F-4D97-AF65-F5344CB8AC3E}">
-        <p14:creationId xmlns:p14="http://schemas.microsoft.com/office/powerpoint/2010/main" val="1487159750"/>
+        <p14:creationId xmlns:p14="http://schemas.microsoft.com/office/powerpoint/2010/main" val="2653420730"/>
       </p:ext>
     </p:extLst>
   </p:cSld>
@@ -1679,7 +1679,7 @@
           <p:cNvPr id="2" name="Title 1">
             <a:extLst>
               <a:ext uri="{FF2B5EF4-FFF2-40B4-BE49-F238E27FC236}">
-                <a16:creationId xmlns:a16="http://schemas.microsoft.com/office/drawing/2014/main" id="{5AE471B4-D2FD-B971-3ED6-77901AE4184F}"/>
+                <a16:creationId xmlns:a16="http://schemas.microsoft.com/office/drawing/2014/main" id="{BE4E3DF4-5EFD-2047-85B7-65798194970C}"/>
               </a:ext>
             </a:extLst>
           </p:cNvPr>
@@ -1707,7 +1707,7 @@
           <p:cNvPr id="3" name="Content Placeholder 2">
             <a:extLst>
               <a:ext uri="{FF2B5EF4-FFF2-40B4-BE49-F238E27FC236}">
-                <a16:creationId xmlns:a16="http://schemas.microsoft.com/office/drawing/2014/main" id="{E3A8456A-E013-C1E5-BDF9-5FA03A1B84AC}"/>
+                <a16:creationId xmlns:a16="http://schemas.microsoft.com/office/drawing/2014/main" id="{C9D395EC-B32D-3E34-C1F9-7088548BF068}"/>
               </a:ext>
             </a:extLst>
           </p:cNvPr>
@@ -1769,7 +1769,7 @@
           <p:cNvPr id="4" name="Content Placeholder 3">
             <a:extLst>
               <a:ext uri="{FF2B5EF4-FFF2-40B4-BE49-F238E27FC236}">
-                <a16:creationId xmlns:a16="http://schemas.microsoft.com/office/drawing/2014/main" id="{37E3B5CF-CA8C-AE9F-8D69-1C00E0A34478}"/>
+                <a16:creationId xmlns:a16="http://schemas.microsoft.com/office/drawing/2014/main" id="{B1808493-07FC-1BBA-F545-E912FDB86A0C}"/>
               </a:ext>
             </a:extLst>
           </p:cNvPr>
@@ -1831,7 +1831,7 @@
           <p:cNvPr id="5" name="Date Placeholder 4">
             <a:extLst>
               <a:ext uri="{FF2B5EF4-FFF2-40B4-BE49-F238E27FC236}">
-                <a16:creationId xmlns:a16="http://schemas.microsoft.com/office/drawing/2014/main" id="{B0951D0C-2C64-45AC-5269-F38E811A0F38}"/>
+                <a16:creationId xmlns:a16="http://schemas.microsoft.com/office/drawing/2014/main" id="{DB889FD9-673E-4D57-CB36-15B0162B892F}"/>
               </a:ext>
             </a:extLst>
           </p:cNvPr>
@@ -1847,9 +1847,9 @@
           <a:bodyPr/>
           <a:lstStyle/>
           <a:p>
-            <a:fld id="{D4770CCD-7C14-4F61-B022-4622158215B7}" type="datetimeFigureOut">
+            <a:fld id="{8EF3DADF-C3B3-4CC9-BB8E-57B8B4487123}" type="datetimeFigureOut">
               <a:rPr lang="en-US" smtClean="0"/>
-              <a:t>4/20/2024</a:t>
+              <a:t>5/15/2024</a:t>
             </a:fld>
             <a:endParaRPr lang="en-US"/>
           </a:p>
@@ -1860,7 +1860,7 @@
           <p:cNvPr id="6" name="Footer Placeholder 5">
             <a:extLst>
               <a:ext uri="{FF2B5EF4-FFF2-40B4-BE49-F238E27FC236}">
-                <a16:creationId xmlns:a16="http://schemas.microsoft.com/office/drawing/2014/main" id="{0AED65ED-F42D-9BAA-369E-E769CAE90DF4}"/>
+                <a16:creationId xmlns:a16="http://schemas.microsoft.com/office/drawing/2014/main" id="{23316F08-1439-F564-DCB7-380E47D14C2F}"/>
               </a:ext>
             </a:extLst>
           </p:cNvPr>
@@ -1885,7 +1885,7 @@
           <p:cNvPr id="7" name="Slide Number Placeholder 6">
             <a:extLst>
               <a:ext uri="{FF2B5EF4-FFF2-40B4-BE49-F238E27FC236}">
-                <a16:creationId xmlns:a16="http://schemas.microsoft.com/office/drawing/2014/main" id="{A3E8D9B0-9186-2D0F-0010-AB6DE07FD6D6}"/>
+                <a16:creationId xmlns:a16="http://schemas.microsoft.com/office/drawing/2014/main" id="{FAF4C638-7022-AFF5-E81C-22494A6C8135}"/>
               </a:ext>
             </a:extLst>
           </p:cNvPr>
@@ -1901,7 +1901,7 @@
           <a:bodyPr/>
           <a:lstStyle/>
           <a:p>
-            <a:fld id="{54DB6152-6236-4A64-83EE-09ED842B467F}" type="slidenum">
+            <a:fld id="{395CD5BE-09C0-40B5-BDBA-50FC191B8F2F}" type="slidenum">
               <a:rPr lang="en-US" smtClean="0"/>
               <a:t>‹#›</a:t>
             </a:fld>
@@ -1912,7 +1912,7 @@
     </p:spTree>
     <p:extLst>
       <p:ext uri="{BB962C8B-B14F-4D97-AF65-F5344CB8AC3E}">
-        <p14:creationId xmlns:p14="http://schemas.microsoft.com/office/powerpoint/2010/main" val="1673070701"/>
+        <p14:creationId xmlns:p14="http://schemas.microsoft.com/office/powerpoint/2010/main" val="2900985307"/>
       </p:ext>
     </p:extLst>
   </p:cSld>
@@ -1944,7 +1944,7 @@
           <p:cNvPr id="2" name="Title 1">
             <a:extLst>
               <a:ext uri="{FF2B5EF4-FFF2-40B4-BE49-F238E27FC236}">
-                <a16:creationId xmlns:a16="http://schemas.microsoft.com/office/drawing/2014/main" id="{5C3B451A-A35B-F749-E59F-EACDA4EC2ADC}"/>
+                <a16:creationId xmlns:a16="http://schemas.microsoft.com/office/drawing/2014/main" id="{DF9978F6-5F68-E2EA-3221-48F3DE33449D}"/>
               </a:ext>
             </a:extLst>
           </p:cNvPr>
@@ -1977,7 +1977,7 @@
           <p:cNvPr id="3" name="Text Placeholder 2">
             <a:extLst>
               <a:ext uri="{FF2B5EF4-FFF2-40B4-BE49-F238E27FC236}">
-                <a16:creationId xmlns:a16="http://schemas.microsoft.com/office/drawing/2014/main" id="{6C8BF5D6-996B-3FBF-995F-393BE541C08D}"/>
+                <a16:creationId xmlns:a16="http://schemas.microsoft.com/office/drawing/2014/main" id="{6E48CA43-87ED-9507-C086-58BE71637696}"/>
               </a:ext>
             </a:extLst>
           </p:cNvPr>
@@ -2048,7 +2048,7 @@
           <p:cNvPr id="4" name="Content Placeholder 3">
             <a:extLst>
               <a:ext uri="{FF2B5EF4-FFF2-40B4-BE49-F238E27FC236}">
-                <a16:creationId xmlns:a16="http://schemas.microsoft.com/office/drawing/2014/main" id="{0279BD13-1DD6-E5BC-C0A4-EBDB7B5E7EE7}"/>
+                <a16:creationId xmlns:a16="http://schemas.microsoft.com/office/drawing/2014/main" id="{4DA0A666-C458-2657-F0A6-AF94320FE457}"/>
               </a:ext>
             </a:extLst>
           </p:cNvPr>
@@ -2110,7 +2110,7 @@
           <p:cNvPr id="5" name="Text Placeholder 4">
             <a:extLst>
               <a:ext uri="{FF2B5EF4-FFF2-40B4-BE49-F238E27FC236}">
-                <a16:creationId xmlns:a16="http://schemas.microsoft.com/office/drawing/2014/main" id="{B38EFE92-3421-8C89-0F8F-9514D1879B47}"/>
+                <a16:creationId xmlns:a16="http://schemas.microsoft.com/office/drawing/2014/main" id="{708B1D42-63D9-59E3-7975-A8BBBFFC7607}"/>
               </a:ext>
             </a:extLst>
           </p:cNvPr>
@@ -2181,7 +2181,7 @@
           <p:cNvPr id="6" name="Content Placeholder 5">
             <a:extLst>
               <a:ext uri="{FF2B5EF4-FFF2-40B4-BE49-F238E27FC236}">
-                <a16:creationId xmlns:a16="http://schemas.microsoft.com/office/drawing/2014/main" id="{8EE2229D-C1FD-AA54-6569-6DE3BDC3BF7F}"/>
+                <a16:creationId xmlns:a16="http://schemas.microsoft.com/office/drawing/2014/main" id="{334D3803-ACAB-F92A-EFEA-13AC398C9216}"/>
               </a:ext>
             </a:extLst>
           </p:cNvPr>
@@ -2243,7 +2243,7 @@
           <p:cNvPr id="7" name="Date Placeholder 6">
             <a:extLst>
               <a:ext uri="{FF2B5EF4-FFF2-40B4-BE49-F238E27FC236}">
-                <a16:creationId xmlns:a16="http://schemas.microsoft.com/office/drawing/2014/main" id="{7E6F18FE-9FFD-5A26-92AD-9AE3F06DC5F2}"/>
+                <a16:creationId xmlns:a16="http://schemas.microsoft.com/office/drawing/2014/main" id="{319F1F1B-F01E-0685-E78B-5D1FE9FF925F}"/>
               </a:ext>
             </a:extLst>
           </p:cNvPr>
@@ -2259,9 +2259,9 @@
           <a:bodyPr/>
           <a:lstStyle/>
           <a:p>
-            <a:fld id="{D4770CCD-7C14-4F61-B022-4622158215B7}" type="datetimeFigureOut">
+            <a:fld id="{8EF3DADF-C3B3-4CC9-BB8E-57B8B4487123}" type="datetimeFigureOut">
               <a:rPr lang="en-US" smtClean="0"/>
-              <a:t>4/20/2024</a:t>
+              <a:t>5/15/2024</a:t>
             </a:fld>
             <a:endParaRPr lang="en-US"/>
           </a:p>
@@ -2272,7 +2272,7 @@
           <p:cNvPr id="8" name="Footer Placeholder 7">
             <a:extLst>
               <a:ext uri="{FF2B5EF4-FFF2-40B4-BE49-F238E27FC236}">
-                <a16:creationId xmlns:a16="http://schemas.microsoft.com/office/drawing/2014/main" id="{757D8463-45DB-8A87-E8B4-6D1978B23A81}"/>
+                <a16:creationId xmlns:a16="http://schemas.microsoft.com/office/drawing/2014/main" id="{73068E3E-A560-F736-D86C-D3A3FCEE3AC5}"/>
               </a:ext>
             </a:extLst>
           </p:cNvPr>
@@ -2297,7 +2297,7 @@
           <p:cNvPr id="9" name="Slide Number Placeholder 8">
             <a:extLst>
               <a:ext uri="{FF2B5EF4-FFF2-40B4-BE49-F238E27FC236}">
-                <a16:creationId xmlns:a16="http://schemas.microsoft.com/office/drawing/2014/main" id="{D36D48EF-CBAB-5E9C-802E-24E286DABD43}"/>
+                <a16:creationId xmlns:a16="http://schemas.microsoft.com/office/drawing/2014/main" id="{4E9FF652-6726-C5DB-B634-D5A3ADC6E7B2}"/>
               </a:ext>
             </a:extLst>
           </p:cNvPr>
@@ -2313,7 +2313,7 @@
           <a:bodyPr/>
           <a:lstStyle/>
           <a:p>
-            <a:fld id="{54DB6152-6236-4A64-83EE-09ED842B467F}" type="slidenum">
+            <a:fld id="{395CD5BE-09C0-40B5-BDBA-50FC191B8F2F}" type="slidenum">
               <a:rPr lang="en-US" smtClean="0"/>
               <a:t>‹#›</a:t>
             </a:fld>
@@ -2324,7 +2324,7 @@
     </p:spTree>
     <p:extLst>
       <p:ext uri="{BB962C8B-B14F-4D97-AF65-F5344CB8AC3E}">
-        <p14:creationId xmlns:p14="http://schemas.microsoft.com/office/powerpoint/2010/main" val="187669122"/>
+        <p14:creationId xmlns:p14="http://schemas.microsoft.com/office/powerpoint/2010/main" val="57605489"/>
       </p:ext>
     </p:extLst>
   </p:cSld>
@@ -2356,7 +2356,7 @@
           <p:cNvPr id="2" name="Title 1">
             <a:extLst>
               <a:ext uri="{FF2B5EF4-FFF2-40B4-BE49-F238E27FC236}">
-                <a16:creationId xmlns:a16="http://schemas.microsoft.com/office/drawing/2014/main" id="{28D2DE6E-8C68-7702-DFD5-13965138E3E2}"/>
+                <a16:creationId xmlns:a16="http://schemas.microsoft.com/office/drawing/2014/main" id="{1E5B205F-3408-E1A0-C7E9-AF6D2F3B7950}"/>
               </a:ext>
             </a:extLst>
           </p:cNvPr>
@@ -2384,7 +2384,7 @@
           <p:cNvPr id="3" name="Date Placeholder 2">
             <a:extLst>
               <a:ext uri="{FF2B5EF4-FFF2-40B4-BE49-F238E27FC236}">
-                <a16:creationId xmlns:a16="http://schemas.microsoft.com/office/drawing/2014/main" id="{128C11FE-EBD6-1777-1C29-07B36719FF71}"/>
+                <a16:creationId xmlns:a16="http://schemas.microsoft.com/office/drawing/2014/main" id="{D6501C38-6706-653E-552F-94EF852D212B}"/>
               </a:ext>
             </a:extLst>
           </p:cNvPr>
@@ -2400,9 +2400,9 @@
           <a:bodyPr/>
           <a:lstStyle/>
           <a:p>
-            <a:fld id="{D4770CCD-7C14-4F61-B022-4622158215B7}" type="datetimeFigureOut">
+            <a:fld id="{8EF3DADF-C3B3-4CC9-BB8E-57B8B4487123}" type="datetimeFigureOut">
               <a:rPr lang="en-US" smtClean="0"/>
-              <a:t>4/20/2024</a:t>
+              <a:t>5/15/2024</a:t>
             </a:fld>
             <a:endParaRPr lang="en-US"/>
           </a:p>
@@ -2413,7 +2413,7 @@
           <p:cNvPr id="4" name="Footer Placeholder 3">
             <a:extLst>
               <a:ext uri="{FF2B5EF4-FFF2-40B4-BE49-F238E27FC236}">
-                <a16:creationId xmlns:a16="http://schemas.microsoft.com/office/drawing/2014/main" id="{CE40886C-D2E8-11C3-1B13-E8222EDCB3C0}"/>
+                <a16:creationId xmlns:a16="http://schemas.microsoft.com/office/drawing/2014/main" id="{2E2176AA-0A04-D6FE-10D4-DD12D764799B}"/>
               </a:ext>
             </a:extLst>
           </p:cNvPr>
@@ -2438,7 +2438,7 @@
           <p:cNvPr id="5" name="Slide Number Placeholder 4">
             <a:extLst>
               <a:ext uri="{FF2B5EF4-FFF2-40B4-BE49-F238E27FC236}">
-                <a16:creationId xmlns:a16="http://schemas.microsoft.com/office/drawing/2014/main" id="{14ACD674-A728-F41B-6017-4B66E8F3BC7D}"/>
+                <a16:creationId xmlns:a16="http://schemas.microsoft.com/office/drawing/2014/main" id="{7D3EEBD5-FC85-9138-B64C-A81EFD7A6F65}"/>
               </a:ext>
             </a:extLst>
           </p:cNvPr>
@@ -2454,7 +2454,7 @@
           <a:bodyPr/>
           <a:lstStyle/>
           <a:p>
-            <a:fld id="{54DB6152-6236-4A64-83EE-09ED842B467F}" type="slidenum">
+            <a:fld id="{395CD5BE-09C0-40B5-BDBA-50FC191B8F2F}" type="slidenum">
               <a:rPr lang="en-US" smtClean="0"/>
               <a:t>‹#›</a:t>
             </a:fld>
@@ -2465,7 +2465,7 @@
     </p:spTree>
     <p:extLst>
       <p:ext uri="{BB962C8B-B14F-4D97-AF65-F5344CB8AC3E}">
-        <p14:creationId xmlns:p14="http://schemas.microsoft.com/office/powerpoint/2010/main" val="2048071525"/>
+        <p14:creationId xmlns:p14="http://schemas.microsoft.com/office/powerpoint/2010/main" val="1770385411"/>
       </p:ext>
     </p:extLst>
   </p:cSld>
@@ -2497,7 +2497,7 @@
           <p:cNvPr id="2" name="Date Placeholder 1">
             <a:extLst>
               <a:ext uri="{FF2B5EF4-FFF2-40B4-BE49-F238E27FC236}">
-                <a16:creationId xmlns:a16="http://schemas.microsoft.com/office/drawing/2014/main" id="{3599E986-4718-C89E-4CA9-17B3994E7C59}"/>
+                <a16:creationId xmlns:a16="http://schemas.microsoft.com/office/drawing/2014/main" id="{63A43CCE-4EE6-4236-9299-E1C4CB18DC63}"/>
               </a:ext>
             </a:extLst>
           </p:cNvPr>
@@ -2513,9 +2513,9 @@
           <a:bodyPr/>
           <a:lstStyle/>
           <a:p>
-            <a:fld id="{D4770CCD-7C14-4F61-B022-4622158215B7}" type="datetimeFigureOut">
+            <a:fld id="{8EF3DADF-C3B3-4CC9-BB8E-57B8B4487123}" type="datetimeFigureOut">
               <a:rPr lang="en-US" smtClean="0"/>
-              <a:t>4/20/2024</a:t>
+              <a:t>5/15/2024</a:t>
             </a:fld>
             <a:endParaRPr lang="en-US"/>
           </a:p>
@@ -2526,7 +2526,7 @@
           <p:cNvPr id="3" name="Footer Placeholder 2">
             <a:extLst>
               <a:ext uri="{FF2B5EF4-FFF2-40B4-BE49-F238E27FC236}">
-                <a16:creationId xmlns:a16="http://schemas.microsoft.com/office/drawing/2014/main" id="{7B38546F-4191-4E96-EA76-AD4BA4F0B0A1}"/>
+                <a16:creationId xmlns:a16="http://schemas.microsoft.com/office/drawing/2014/main" id="{48526502-1ED8-8F53-12B5-42691753EFE7}"/>
               </a:ext>
             </a:extLst>
           </p:cNvPr>
@@ -2551,7 +2551,7 @@
           <p:cNvPr id="4" name="Slide Number Placeholder 3">
             <a:extLst>
               <a:ext uri="{FF2B5EF4-FFF2-40B4-BE49-F238E27FC236}">
-                <a16:creationId xmlns:a16="http://schemas.microsoft.com/office/drawing/2014/main" id="{849061CC-B699-3E8F-EE85-6CEC5E1CC13F}"/>
+                <a16:creationId xmlns:a16="http://schemas.microsoft.com/office/drawing/2014/main" id="{6A004098-E396-660F-0CF0-3088FCA014F5}"/>
               </a:ext>
             </a:extLst>
           </p:cNvPr>
@@ -2567,7 +2567,7 @@
           <a:bodyPr/>
           <a:lstStyle/>
           <a:p>
-            <a:fld id="{54DB6152-6236-4A64-83EE-09ED842B467F}" type="slidenum">
+            <a:fld id="{395CD5BE-09C0-40B5-BDBA-50FC191B8F2F}" type="slidenum">
               <a:rPr lang="en-US" smtClean="0"/>
               <a:t>‹#›</a:t>
             </a:fld>
@@ -2578,7 +2578,7 @@
     </p:spTree>
     <p:extLst>
       <p:ext uri="{BB962C8B-B14F-4D97-AF65-F5344CB8AC3E}">
-        <p14:creationId xmlns:p14="http://schemas.microsoft.com/office/powerpoint/2010/main" val="3461562916"/>
+        <p14:creationId xmlns:p14="http://schemas.microsoft.com/office/powerpoint/2010/main" val="791549204"/>
       </p:ext>
     </p:extLst>
   </p:cSld>
@@ -2610,7 +2610,7 @@
           <p:cNvPr id="2" name="Title 1">
             <a:extLst>
               <a:ext uri="{FF2B5EF4-FFF2-40B4-BE49-F238E27FC236}">
-                <a16:creationId xmlns:a16="http://schemas.microsoft.com/office/drawing/2014/main" id="{EE0583C0-3F15-B79C-55F6-9AF43611A3C8}"/>
+                <a16:creationId xmlns:a16="http://schemas.microsoft.com/office/drawing/2014/main" id="{7147CFF6-56C6-8383-4937-79D5AC743DEF}"/>
               </a:ext>
             </a:extLst>
           </p:cNvPr>
@@ -2647,7 +2647,7 @@
           <p:cNvPr id="3" name="Content Placeholder 2">
             <a:extLst>
               <a:ext uri="{FF2B5EF4-FFF2-40B4-BE49-F238E27FC236}">
-                <a16:creationId xmlns:a16="http://schemas.microsoft.com/office/drawing/2014/main" id="{51C48322-D11B-C0B4-A87C-B9FDB8E7A5C1}"/>
+                <a16:creationId xmlns:a16="http://schemas.microsoft.com/office/drawing/2014/main" id="{1C26FDD1-595F-049E-2A67-F19AB6965AE4}"/>
               </a:ext>
             </a:extLst>
           </p:cNvPr>
@@ -2737,7 +2737,7 @@
           <p:cNvPr id="4" name="Text Placeholder 3">
             <a:extLst>
               <a:ext uri="{FF2B5EF4-FFF2-40B4-BE49-F238E27FC236}">
-                <a16:creationId xmlns:a16="http://schemas.microsoft.com/office/drawing/2014/main" id="{494F7565-D23F-18A8-1FFD-050FA70FC89A}"/>
+                <a16:creationId xmlns:a16="http://schemas.microsoft.com/office/drawing/2014/main" id="{960A85C7-31CE-F6D9-B9F0-68590F46C197}"/>
               </a:ext>
             </a:extLst>
           </p:cNvPr>
@@ -2808,7 +2808,7 @@
           <p:cNvPr id="5" name="Date Placeholder 4">
             <a:extLst>
               <a:ext uri="{FF2B5EF4-FFF2-40B4-BE49-F238E27FC236}">
-                <a16:creationId xmlns:a16="http://schemas.microsoft.com/office/drawing/2014/main" id="{2E7700CF-847C-2698-2AC2-E45BEB79167A}"/>
+                <a16:creationId xmlns:a16="http://schemas.microsoft.com/office/drawing/2014/main" id="{04E3B88A-0668-2E75-45C7-117AFB138795}"/>
               </a:ext>
             </a:extLst>
           </p:cNvPr>
@@ -2824,9 +2824,9 @@
           <a:bodyPr/>
           <a:lstStyle/>
           <a:p>
-            <a:fld id="{D4770CCD-7C14-4F61-B022-4622158215B7}" type="datetimeFigureOut">
+            <a:fld id="{8EF3DADF-C3B3-4CC9-BB8E-57B8B4487123}" type="datetimeFigureOut">
               <a:rPr lang="en-US" smtClean="0"/>
-              <a:t>4/20/2024</a:t>
+              <a:t>5/15/2024</a:t>
             </a:fld>
             <a:endParaRPr lang="en-US"/>
           </a:p>
@@ -2837,7 +2837,7 @@
           <p:cNvPr id="6" name="Footer Placeholder 5">
             <a:extLst>
               <a:ext uri="{FF2B5EF4-FFF2-40B4-BE49-F238E27FC236}">
-                <a16:creationId xmlns:a16="http://schemas.microsoft.com/office/drawing/2014/main" id="{919E1934-CD59-AB6C-A0B1-34C0D62E8C9F}"/>
+                <a16:creationId xmlns:a16="http://schemas.microsoft.com/office/drawing/2014/main" id="{50A30BFE-220A-60AD-F001-8C1651B05B48}"/>
               </a:ext>
             </a:extLst>
           </p:cNvPr>
@@ -2862,7 +2862,7 @@
           <p:cNvPr id="7" name="Slide Number Placeholder 6">
             <a:extLst>
               <a:ext uri="{FF2B5EF4-FFF2-40B4-BE49-F238E27FC236}">
-                <a16:creationId xmlns:a16="http://schemas.microsoft.com/office/drawing/2014/main" id="{2FD7D574-3B84-9D8B-EA7D-2DFE41AE3EF7}"/>
+                <a16:creationId xmlns:a16="http://schemas.microsoft.com/office/drawing/2014/main" id="{4BB6F4F0-736F-EAC2-583F-36918F602123}"/>
               </a:ext>
             </a:extLst>
           </p:cNvPr>
@@ -2878,7 +2878,7 @@
           <a:bodyPr/>
           <a:lstStyle/>
           <a:p>
-            <a:fld id="{54DB6152-6236-4A64-83EE-09ED842B467F}" type="slidenum">
+            <a:fld id="{395CD5BE-09C0-40B5-BDBA-50FC191B8F2F}" type="slidenum">
               <a:rPr lang="en-US" smtClean="0"/>
               <a:t>‹#›</a:t>
             </a:fld>
@@ -2889,7 +2889,7 @@
     </p:spTree>
     <p:extLst>
       <p:ext uri="{BB962C8B-B14F-4D97-AF65-F5344CB8AC3E}">
-        <p14:creationId xmlns:p14="http://schemas.microsoft.com/office/powerpoint/2010/main" val="2294168792"/>
+        <p14:creationId xmlns:p14="http://schemas.microsoft.com/office/powerpoint/2010/main" val="831532605"/>
       </p:ext>
     </p:extLst>
   </p:cSld>
@@ -2921,7 +2921,7 @@
           <p:cNvPr id="2" name="Title 1">
             <a:extLst>
               <a:ext uri="{FF2B5EF4-FFF2-40B4-BE49-F238E27FC236}">
-                <a16:creationId xmlns:a16="http://schemas.microsoft.com/office/drawing/2014/main" id="{8F37A4BA-6B64-9ADC-1C1A-840F9AF62034}"/>
+                <a16:creationId xmlns:a16="http://schemas.microsoft.com/office/drawing/2014/main" id="{E35C4E05-3698-5C81-571B-4FB3012EB1EC}"/>
               </a:ext>
             </a:extLst>
           </p:cNvPr>
@@ -2958,7 +2958,7 @@
           <p:cNvPr id="3" name="Picture Placeholder 2">
             <a:extLst>
               <a:ext uri="{FF2B5EF4-FFF2-40B4-BE49-F238E27FC236}">
-                <a16:creationId xmlns:a16="http://schemas.microsoft.com/office/drawing/2014/main" id="{B857B6DA-B861-8037-BA07-995751B585D5}"/>
+                <a16:creationId xmlns:a16="http://schemas.microsoft.com/office/drawing/2014/main" id="{0328770E-02BF-C896-2713-8DF283A5F575}"/>
               </a:ext>
             </a:extLst>
           </p:cNvPr>
@@ -3025,7 +3025,7 @@
           <p:cNvPr id="4" name="Text Placeholder 3">
             <a:extLst>
               <a:ext uri="{FF2B5EF4-FFF2-40B4-BE49-F238E27FC236}">
-                <a16:creationId xmlns:a16="http://schemas.microsoft.com/office/drawing/2014/main" id="{B69F0CEC-BF9D-1959-FD07-AB6A474ACEA5}"/>
+                <a16:creationId xmlns:a16="http://schemas.microsoft.com/office/drawing/2014/main" id="{5904F60F-3F78-A7D1-80FF-CD3C984FCE1C}"/>
               </a:ext>
             </a:extLst>
           </p:cNvPr>
@@ -3096,7 +3096,7 @@
           <p:cNvPr id="5" name="Date Placeholder 4">
             <a:extLst>
               <a:ext uri="{FF2B5EF4-FFF2-40B4-BE49-F238E27FC236}">
-                <a16:creationId xmlns:a16="http://schemas.microsoft.com/office/drawing/2014/main" id="{5C415FC9-5300-EDC2-AD34-DB85212407A5}"/>
+                <a16:creationId xmlns:a16="http://schemas.microsoft.com/office/drawing/2014/main" id="{2591DCF5-6FD3-FF22-1DB5-C0B794175C4E}"/>
               </a:ext>
             </a:extLst>
           </p:cNvPr>
@@ -3112,9 +3112,9 @@
           <a:bodyPr/>
           <a:lstStyle/>
           <a:p>
-            <a:fld id="{D4770CCD-7C14-4F61-B022-4622158215B7}" type="datetimeFigureOut">
+            <a:fld id="{8EF3DADF-C3B3-4CC9-BB8E-57B8B4487123}" type="datetimeFigureOut">
               <a:rPr lang="en-US" smtClean="0"/>
-              <a:t>4/20/2024</a:t>
+              <a:t>5/15/2024</a:t>
             </a:fld>
             <a:endParaRPr lang="en-US"/>
           </a:p>
@@ -3125,7 +3125,7 @@
           <p:cNvPr id="6" name="Footer Placeholder 5">
             <a:extLst>
               <a:ext uri="{FF2B5EF4-FFF2-40B4-BE49-F238E27FC236}">
-                <a16:creationId xmlns:a16="http://schemas.microsoft.com/office/drawing/2014/main" id="{1E8F28BC-7CD2-9D04-B66E-EB2D3D9A0305}"/>
+                <a16:creationId xmlns:a16="http://schemas.microsoft.com/office/drawing/2014/main" id="{F0B48161-A27F-EC92-EF75-BC5F76BFAD15}"/>
               </a:ext>
             </a:extLst>
           </p:cNvPr>
@@ -3150,7 +3150,7 @@
           <p:cNvPr id="7" name="Slide Number Placeholder 6">
             <a:extLst>
               <a:ext uri="{FF2B5EF4-FFF2-40B4-BE49-F238E27FC236}">
-                <a16:creationId xmlns:a16="http://schemas.microsoft.com/office/drawing/2014/main" id="{128A651A-41EB-0E3C-F275-4F40604A45BA}"/>
+                <a16:creationId xmlns:a16="http://schemas.microsoft.com/office/drawing/2014/main" id="{1EFF1D1F-C64C-EB94-8D66-29EF210878A0}"/>
               </a:ext>
             </a:extLst>
           </p:cNvPr>
@@ -3166,7 +3166,7 @@
           <a:bodyPr/>
           <a:lstStyle/>
           <a:p>
-            <a:fld id="{54DB6152-6236-4A64-83EE-09ED842B467F}" type="slidenum">
+            <a:fld id="{395CD5BE-09C0-40B5-BDBA-50FC191B8F2F}" type="slidenum">
               <a:rPr lang="en-US" smtClean="0"/>
               <a:t>‹#›</a:t>
             </a:fld>
@@ -3177,7 +3177,7 @@
     </p:spTree>
     <p:extLst>
       <p:ext uri="{BB962C8B-B14F-4D97-AF65-F5344CB8AC3E}">
-        <p14:creationId xmlns:p14="http://schemas.microsoft.com/office/powerpoint/2010/main" val="2098593266"/>
+        <p14:creationId xmlns:p14="http://schemas.microsoft.com/office/powerpoint/2010/main" val="2897959776"/>
       </p:ext>
     </p:extLst>
   </p:cSld>
@@ -3214,7 +3214,7 @@
           <p:cNvPr id="2" name="Title Placeholder 1">
             <a:extLst>
               <a:ext uri="{FF2B5EF4-FFF2-40B4-BE49-F238E27FC236}">
-                <a16:creationId xmlns:a16="http://schemas.microsoft.com/office/drawing/2014/main" id="{1AF17268-4188-07F1-BDC3-18A2676E026B}"/>
+                <a16:creationId xmlns:a16="http://schemas.microsoft.com/office/drawing/2014/main" id="{9B5D47A6-1852-1866-D571-B7C125665E50}"/>
               </a:ext>
             </a:extLst>
           </p:cNvPr>
@@ -3252,7 +3252,7 @@
           <p:cNvPr id="3" name="Text Placeholder 2">
             <a:extLst>
               <a:ext uri="{FF2B5EF4-FFF2-40B4-BE49-F238E27FC236}">
-                <a16:creationId xmlns:a16="http://schemas.microsoft.com/office/drawing/2014/main" id="{D6A5B88E-12E0-817A-DFDB-F0B4693B7A85}"/>
+                <a16:creationId xmlns:a16="http://schemas.microsoft.com/office/drawing/2014/main" id="{14A187F5-7D55-9F4C-2BDE-5E45AD0CD879}"/>
               </a:ext>
             </a:extLst>
           </p:cNvPr>
@@ -3319,7 +3319,7 @@
           <p:cNvPr id="4" name="Date Placeholder 3">
             <a:extLst>
               <a:ext uri="{FF2B5EF4-FFF2-40B4-BE49-F238E27FC236}">
-                <a16:creationId xmlns:a16="http://schemas.microsoft.com/office/drawing/2014/main" id="{247C0E5E-6DA9-F945-3570-249A4CA00061}"/>
+                <a16:creationId xmlns:a16="http://schemas.microsoft.com/office/drawing/2014/main" id="{0BC895A9-867B-FFE8-8AA0-D4361CB71A30}"/>
               </a:ext>
             </a:extLst>
           </p:cNvPr>
@@ -3353,9 +3353,9 @@
             </a:lvl1pPr>
           </a:lstStyle>
           <a:p>
-            <a:fld id="{D4770CCD-7C14-4F61-B022-4622158215B7}" type="datetimeFigureOut">
+            <a:fld id="{8EF3DADF-C3B3-4CC9-BB8E-57B8B4487123}" type="datetimeFigureOut">
               <a:rPr lang="en-US" smtClean="0"/>
-              <a:t>4/20/2024</a:t>
+              <a:t>5/15/2024</a:t>
             </a:fld>
             <a:endParaRPr lang="en-US"/>
           </a:p>
@@ -3366,7 +3366,7 @@
           <p:cNvPr id="5" name="Footer Placeholder 4">
             <a:extLst>
               <a:ext uri="{FF2B5EF4-FFF2-40B4-BE49-F238E27FC236}">
-                <a16:creationId xmlns:a16="http://schemas.microsoft.com/office/drawing/2014/main" id="{7872556E-A112-0AAA-0B2D-0D433A7BB18E}"/>
+                <a16:creationId xmlns:a16="http://schemas.microsoft.com/office/drawing/2014/main" id="{B3273FD2-BACF-8F53-0FC5-56D1DFF0D9CB}"/>
               </a:ext>
             </a:extLst>
           </p:cNvPr>
@@ -3409,7 +3409,7 @@
           <p:cNvPr id="6" name="Slide Number Placeholder 5">
             <a:extLst>
               <a:ext uri="{FF2B5EF4-FFF2-40B4-BE49-F238E27FC236}">
-                <a16:creationId xmlns:a16="http://schemas.microsoft.com/office/drawing/2014/main" id="{F1FAB32D-5860-0655-FDCB-42EEA2BB95E2}"/>
+                <a16:creationId xmlns:a16="http://schemas.microsoft.com/office/drawing/2014/main" id="{E0D2E5E7-B493-BB0C-5D56-4F0ED4854DB7}"/>
               </a:ext>
             </a:extLst>
           </p:cNvPr>
@@ -3443,7 +3443,7 @@
             </a:lvl1pPr>
           </a:lstStyle>
           <a:p>
-            <a:fld id="{54DB6152-6236-4A64-83EE-09ED842B467F}" type="slidenum">
+            <a:fld id="{395CD5BE-09C0-40B5-BDBA-50FC191B8F2F}" type="slidenum">
               <a:rPr lang="en-US" smtClean="0"/>
               <a:t>‹#›</a:t>
             </a:fld>
@@ -3454,7 +3454,7 @@
     </p:spTree>
     <p:extLst>
       <p:ext uri="{BB962C8B-B14F-4D97-AF65-F5344CB8AC3E}">
-        <p14:creationId xmlns:p14="http://schemas.microsoft.com/office/powerpoint/2010/main" val="3265315632"/>
+        <p14:creationId xmlns:p14="http://schemas.microsoft.com/office/powerpoint/2010/main" val="3070326586"/>
       </p:ext>
     </p:extLst>
   </p:cSld>
@@ -3977,6 +3977,15 @@
           <a:lstStyle/>
           <a:p>
             <a:r>
+              <a:rPr lang="th-TH" dirty="0">
+                <a:latin typeface="TH SarabunPSK" panose="020B0500040200020003" pitchFamily="34" charset="-34"/>
+                <a:cs typeface="TH SarabunPSK" panose="020B0500040200020003" pitchFamily="34" charset="-34"/>
+              </a:rPr>
+              <a:t>บทที่ 6 การแสดงผลการกระจายของข้อมูล (ต่อ)</a:t>
+            </a:r>
+          </a:p>
+          <a:p>
+            <a:r>
               <a:rPr lang="en-US" dirty="0" err="1">
                 <a:latin typeface="TH SarabunPSK" panose="020B0500040200020003" pitchFamily="34" charset="-34"/>
                 <a:cs typeface="TH SarabunPSK" panose="020B0500040200020003" pitchFamily="34" charset="-34"/>
@@ -15379,6 +15388,13 @@
                 <a:cs typeface="TH SarabunPSK" panose="020B0500040200020003" pitchFamily="34" charset="-34"/>
               </a:rPr>
               <a:t>ax.scatter</a:t>
+            </a:r>
+            <a:r>
+              <a:rPr lang="en-US" dirty="0">
+                <a:latin typeface="TH SarabunPSK" panose="020B0500040200020003" pitchFamily="34" charset="-34"/>
+                <a:cs typeface="TH SarabunPSK" panose="020B0500040200020003" pitchFamily="34" charset="-34"/>
+              </a:rPr>
+              <a:t>()</a:t>
             </a:r>
             <a:r>
               <a:rPr lang="th-TH" dirty="0">

--- a/PPT/Class period 14.pptx
+++ b/PPT/Class period 14.pptx
@@ -122,6 +122,11 @@
       </a:defRPr>
     </a:lvl9pPr>
   </p:defaultTextStyle>
+  <p:extLst>
+    <p:ext uri="{EFAFB233-063F-42B5-8137-9DF3F51BA10A}">
+      <p15:sldGuideLst xmlns:p15="http://schemas.microsoft.com/office/powerpoint/2012/main"/>
+    </p:ext>
+  </p:extLst>
 </p:presentation>
 </file>
 
@@ -207,7 +212,7 @@
           <a:p>
             <a:fld id="{1A0BC505-366C-4E81-960D-D1D0B5E59787}" type="datetimeFigureOut">
               <a:rPr lang="en-US" smtClean="0"/>
-              <a:t>5/15/2024</a:t>
+              <a:t>6/17/2024</a:t>
             </a:fld>
             <a:endParaRPr lang="en-US"/>
           </a:p>
@@ -705,7 +710,7 @@
           <a:p>
             <a:fld id="{8EF3DADF-C3B3-4CC9-BB8E-57B8B4487123}" type="datetimeFigureOut">
               <a:rPr lang="en-US" smtClean="0"/>
-              <a:t>5/15/2024</a:t>
+              <a:t>6/17/2024</a:t>
             </a:fld>
             <a:endParaRPr lang="en-US"/>
           </a:p>
@@ -903,7 +908,7 @@
           <a:p>
             <a:fld id="{8EF3DADF-C3B3-4CC9-BB8E-57B8B4487123}" type="datetimeFigureOut">
               <a:rPr lang="en-US" smtClean="0"/>
-              <a:t>5/15/2024</a:t>
+              <a:t>6/17/2024</a:t>
             </a:fld>
             <a:endParaRPr lang="en-US"/>
           </a:p>
@@ -1111,7 +1116,7 @@
           <a:p>
             <a:fld id="{8EF3DADF-C3B3-4CC9-BB8E-57B8B4487123}" type="datetimeFigureOut">
               <a:rPr lang="en-US" smtClean="0"/>
-              <a:t>5/15/2024</a:t>
+              <a:t>6/17/2024</a:t>
             </a:fld>
             <a:endParaRPr lang="en-US"/>
           </a:p>
@@ -1309,7 +1314,7 @@
           <a:p>
             <a:fld id="{8EF3DADF-C3B3-4CC9-BB8E-57B8B4487123}" type="datetimeFigureOut">
               <a:rPr lang="en-US" smtClean="0"/>
-              <a:t>5/15/2024</a:t>
+              <a:t>6/17/2024</a:t>
             </a:fld>
             <a:endParaRPr lang="en-US"/>
           </a:p>
@@ -1584,7 +1589,7 @@
           <a:p>
             <a:fld id="{8EF3DADF-C3B3-4CC9-BB8E-57B8B4487123}" type="datetimeFigureOut">
               <a:rPr lang="en-US" smtClean="0"/>
-              <a:t>5/15/2024</a:t>
+              <a:t>6/17/2024</a:t>
             </a:fld>
             <a:endParaRPr lang="en-US"/>
           </a:p>
@@ -1849,7 +1854,7 @@
           <a:p>
             <a:fld id="{8EF3DADF-C3B3-4CC9-BB8E-57B8B4487123}" type="datetimeFigureOut">
               <a:rPr lang="en-US" smtClean="0"/>
-              <a:t>5/15/2024</a:t>
+              <a:t>6/17/2024</a:t>
             </a:fld>
             <a:endParaRPr lang="en-US"/>
           </a:p>
@@ -2261,7 +2266,7 @@
           <a:p>
             <a:fld id="{8EF3DADF-C3B3-4CC9-BB8E-57B8B4487123}" type="datetimeFigureOut">
               <a:rPr lang="en-US" smtClean="0"/>
-              <a:t>5/15/2024</a:t>
+              <a:t>6/17/2024</a:t>
             </a:fld>
             <a:endParaRPr lang="en-US"/>
           </a:p>
@@ -2402,7 +2407,7 @@
           <a:p>
             <a:fld id="{8EF3DADF-C3B3-4CC9-BB8E-57B8B4487123}" type="datetimeFigureOut">
               <a:rPr lang="en-US" smtClean="0"/>
-              <a:t>5/15/2024</a:t>
+              <a:t>6/17/2024</a:t>
             </a:fld>
             <a:endParaRPr lang="en-US"/>
           </a:p>
@@ -2515,7 +2520,7 @@
           <a:p>
             <a:fld id="{8EF3DADF-C3B3-4CC9-BB8E-57B8B4487123}" type="datetimeFigureOut">
               <a:rPr lang="en-US" smtClean="0"/>
-              <a:t>5/15/2024</a:t>
+              <a:t>6/17/2024</a:t>
             </a:fld>
             <a:endParaRPr lang="en-US"/>
           </a:p>
@@ -2826,7 +2831,7 @@
           <a:p>
             <a:fld id="{8EF3DADF-C3B3-4CC9-BB8E-57B8B4487123}" type="datetimeFigureOut">
               <a:rPr lang="en-US" smtClean="0"/>
-              <a:t>5/15/2024</a:t>
+              <a:t>6/17/2024</a:t>
             </a:fld>
             <a:endParaRPr lang="en-US"/>
           </a:p>
@@ -3114,7 +3119,7 @@
           <a:p>
             <a:fld id="{8EF3DADF-C3B3-4CC9-BB8E-57B8B4487123}" type="datetimeFigureOut">
               <a:rPr lang="en-US" smtClean="0"/>
-              <a:t>5/15/2024</a:t>
+              <a:t>6/17/2024</a:t>
             </a:fld>
             <a:endParaRPr lang="en-US"/>
           </a:p>
@@ -3355,7 +3360,7 @@
           <a:p>
             <a:fld id="{8EF3DADF-C3B3-4CC9-BB8E-57B8B4487123}" type="datetimeFigureOut">
               <a:rPr lang="en-US" smtClean="0"/>
-              <a:t>5/15/2024</a:t>
+              <a:t>6/17/2024</a:t>
             </a:fld>
             <a:endParaRPr lang="en-US"/>
           </a:p>
@@ -4002,6 +4007,73 @@
           </a:p>
         </p:txBody>
       </p:sp>
+      <p:sp>
+        <p:nvSpPr>
+          <p:cNvPr id="7" name="TextBox 6">
+            <a:extLst>
+              <a:ext uri="{FF2B5EF4-FFF2-40B4-BE49-F238E27FC236}">
+                <a16:creationId xmlns:a16="http://schemas.microsoft.com/office/drawing/2014/main" id="{F2FC8DAB-8F5D-E6F3-A2B6-B9F7EB8299DE}"/>
+              </a:ext>
+            </a:extLst>
+          </p:cNvPr>
+          <p:cNvSpPr txBox="1"/>
+          <p:nvPr/>
+        </p:nvSpPr>
+        <p:spPr>
+          <a:xfrm>
+            <a:off x="114677" y="6172611"/>
+            <a:ext cx="5532120" cy="461665"/>
+          </a:xfrm>
+          <a:prstGeom prst="rect">
+            <a:avLst/>
+          </a:prstGeom>
+          <a:noFill/>
+        </p:spPr>
+        <p:txBody>
+          <a:bodyPr wrap="square">
+            <a:spAutoFit/>
+          </a:bodyPr>
+          <a:lstStyle/>
+          <a:p>
+            <a:pPr algn="l"/>
+            <a:r>
+              <a:rPr lang="th-TH" sz="2400" dirty="0">
+                <a:latin typeface="TH SarabunPSK" panose="020B0500040200020003" pitchFamily="34" charset="-34"/>
+                <a:cs typeface="TH SarabunPSK" panose="020B0500040200020003" pitchFamily="34" charset="-34"/>
+              </a:rPr>
+              <a:t>โดย ผศ</a:t>
+            </a:r>
+            <a:r>
+              <a:rPr lang="en-US" sz="2400" dirty="0">
+                <a:latin typeface="TH SarabunPSK" panose="020B0500040200020003" pitchFamily="34" charset="-34"/>
+                <a:cs typeface="TH SarabunPSK" panose="020B0500040200020003" pitchFamily="34" charset="-34"/>
+              </a:rPr>
+              <a:t>. </a:t>
+            </a:r>
+            <a:r>
+              <a:rPr lang="th-TH" sz="2400" dirty="0">
+                <a:latin typeface="TH SarabunPSK" panose="020B0500040200020003" pitchFamily="34" charset="-34"/>
+                <a:cs typeface="TH SarabunPSK" panose="020B0500040200020003" pitchFamily="34" charset="-34"/>
+              </a:rPr>
+              <a:t>ดร</a:t>
+            </a:r>
+            <a:r>
+              <a:rPr lang="en-US" sz="2400" dirty="0">
+                <a:latin typeface="TH SarabunPSK" panose="020B0500040200020003" pitchFamily="34" charset="-34"/>
+                <a:cs typeface="TH SarabunPSK" panose="020B0500040200020003" pitchFamily="34" charset="-34"/>
+              </a:rPr>
+              <a:t>.</a:t>
+            </a:r>
+            <a:r>
+              <a:rPr lang="th-TH" sz="2400" dirty="0">
+                <a:latin typeface="TH SarabunPSK" panose="020B0500040200020003" pitchFamily="34" charset="-34"/>
+                <a:cs typeface="TH SarabunPSK" panose="020B0500040200020003" pitchFamily="34" charset="-34"/>
+              </a:rPr>
+              <a:t>ธนพงศ์ อินทระ สาขาวิชาสถิติ มหาวิทยาลัยขอนแก่น </a:t>
+            </a:r>
+          </a:p>
+        </p:txBody>
+      </p:sp>
     </p:spTree>
     <p:extLst>
       <p:ext uri="{BB962C8B-B14F-4D97-AF65-F5344CB8AC3E}">
@@ -4637,6 +4709,73 @@
           </a:p>
         </p:txBody>
       </p:sp>
+      <p:sp>
+        <p:nvSpPr>
+          <p:cNvPr id="9" name="TextBox 8">
+            <a:extLst>
+              <a:ext uri="{FF2B5EF4-FFF2-40B4-BE49-F238E27FC236}">
+                <a16:creationId xmlns:a16="http://schemas.microsoft.com/office/drawing/2014/main" id="{6EADBFBE-DBAD-470E-C1F5-F856C2EB6D2F}"/>
+              </a:ext>
+            </a:extLst>
+          </p:cNvPr>
+          <p:cNvSpPr txBox="1"/>
+          <p:nvPr/>
+        </p:nvSpPr>
+        <p:spPr>
+          <a:xfrm>
+            <a:off x="114677" y="6172611"/>
+            <a:ext cx="5532120" cy="461665"/>
+          </a:xfrm>
+          <a:prstGeom prst="rect">
+            <a:avLst/>
+          </a:prstGeom>
+          <a:noFill/>
+        </p:spPr>
+        <p:txBody>
+          <a:bodyPr wrap="square">
+            <a:spAutoFit/>
+          </a:bodyPr>
+          <a:lstStyle/>
+          <a:p>
+            <a:pPr algn="l"/>
+            <a:r>
+              <a:rPr lang="th-TH" sz="2400" dirty="0">
+                <a:latin typeface="TH SarabunPSK" panose="020B0500040200020003" pitchFamily="34" charset="-34"/>
+                <a:cs typeface="TH SarabunPSK" panose="020B0500040200020003" pitchFamily="34" charset="-34"/>
+              </a:rPr>
+              <a:t>โดย ผศ</a:t>
+            </a:r>
+            <a:r>
+              <a:rPr lang="en-US" sz="2400" dirty="0">
+                <a:latin typeface="TH SarabunPSK" panose="020B0500040200020003" pitchFamily="34" charset="-34"/>
+                <a:cs typeface="TH SarabunPSK" panose="020B0500040200020003" pitchFamily="34" charset="-34"/>
+              </a:rPr>
+              <a:t>. </a:t>
+            </a:r>
+            <a:r>
+              <a:rPr lang="th-TH" sz="2400" dirty="0">
+                <a:latin typeface="TH SarabunPSK" panose="020B0500040200020003" pitchFamily="34" charset="-34"/>
+                <a:cs typeface="TH SarabunPSK" panose="020B0500040200020003" pitchFamily="34" charset="-34"/>
+              </a:rPr>
+              <a:t>ดร</a:t>
+            </a:r>
+            <a:r>
+              <a:rPr lang="en-US" sz="2400" dirty="0">
+                <a:latin typeface="TH SarabunPSK" panose="020B0500040200020003" pitchFamily="34" charset="-34"/>
+                <a:cs typeface="TH SarabunPSK" panose="020B0500040200020003" pitchFamily="34" charset="-34"/>
+              </a:rPr>
+              <a:t>.</a:t>
+            </a:r>
+            <a:r>
+              <a:rPr lang="th-TH" sz="2400" dirty="0">
+                <a:latin typeface="TH SarabunPSK" panose="020B0500040200020003" pitchFamily="34" charset="-34"/>
+                <a:cs typeface="TH SarabunPSK" panose="020B0500040200020003" pitchFamily="34" charset="-34"/>
+              </a:rPr>
+              <a:t>ธนพงศ์ อินทระ สาขาวิชาสถิติ มหาวิทยาลัยขอนแก่น </a:t>
+            </a:r>
+          </a:p>
+        </p:txBody>
+      </p:sp>
     </p:spTree>
     <p:extLst>
       <p:ext uri="{BB962C8B-B14F-4D97-AF65-F5344CB8AC3E}">
@@ -5108,6 +5247,73 @@
           </a:prstGeom>
         </p:spPr>
       </p:pic>
+      <p:sp>
+        <p:nvSpPr>
+          <p:cNvPr id="9" name="TextBox 8">
+            <a:extLst>
+              <a:ext uri="{FF2B5EF4-FFF2-40B4-BE49-F238E27FC236}">
+                <a16:creationId xmlns:a16="http://schemas.microsoft.com/office/drawing/2014/main" id="{AB0AAEE4-C02C-D74D-A121-6793D5742618}"/>
+              </a:ext>
+            </a:extLst>
+          </p:cNvPr>
+          <p:cNvSpPr txBox="1"/>
+          <p:nvPr/>
+        </p:nvSpPr>
+        <p:spPr>
+          <a:xfrm>
+            <a:off x="114677" y="6172611"/>
+            <a:ext cx="5532120" cy="461665"/>
+          </a:xfrm>
+          <a:prstGeom prst="rect">
+            <a:avLst/>
+          </a:prstGeom>
+          <a:noFill/>
+        </p:spPr>
+        <p:txBody>
+          <a:bodyPr wrap="square">
+            <a:spAutoFit/>
+          </a:bodyPr>
+          <a:lstStyle/>
+          <a:p>
+            <a:pPr algn="l"/>
+            <a:r>
+              <a:rPr lang="th-TH" sz="2400" dirty="0">
+                <a:latin typeface="TH SarabunPSK" panose="020B0500040200020003" pitchFamily="34" charset="-34"/>
+                <a:cs typeface="TH SarabunPSK" panose="020B0500040200020003" pitchFamily="34" charset="-34"/>
+              </a:rPr>
+              <a:t>โดย ผศ</a:t>
+            </a:r>
+            <a:r>
+              <a:rPr lang="en-US" sz="2400" dirty="0">
+                <a:latin typeface="TH SarabunPSK" panose="020B0500040200020003" pitchFamily="34" charset="-34"/>
+                <a:cs typeface="TH SarabunPSK" panose="020B0500040200020003" pitchFamily="34" charset="-34"/>
+              </a:rPr>
+              <a:t>. </a:t>
+            </a:r>
+            <a:r>
+              <a:rPr lang="th-TH" sz="2400" dirty="0">
+                <a:latin typeface="TH SarabunPSK" panose="020B0500040200020003" pitchFamily="34" charset="-34"/>
+                <a:cs typeface="TH SarabunPSK" panose="020B0500040200020003" pitchFamily="34" charset="-34"/>
+              </a:rPr>
+              <a:t>ดร</a:t>
+            </a:r>
+            <a:r>
+              <a:rPr lang="en-US" sz="2400" dirty="0">
+                <a:latin typeface="TH SarabunPSK" panose="020B0500040200020003" pitchFamily="34" charset="-34"/>
+                <a:cs typeface="TH SarabunPSK" panose="020B0500040200020003" pitchFamily="34" charset="-34"/>
+              </a:rPr>
+              <a:t>.</a:t>
+            </a:r>
+            <a:r>
+              <a:rPr lang="th-TH" sz="2400" dirty="0">
+                <a:latin typeface="TH SarabunPSK" panose="020B0500040200020003" pitchFamily="34" charset="-34"/>
+                <a:cs typeface="TH SarabunPSK" panose="020B0500040200020003" pitchFamily="34" charset="-34"/>
+              </a:rPr>
+              <a:t>ธนพงศ์ อินทระ สาขาวิชาสถิติ มหาวิทยาลัยขอนแก่น </a:t>
+            </a:r>
+          </a:p>
+        </p:txBody>
+      </p:sp>
     </p:spTree>
     <p:extLst>
       <p:ext uri="{BB962C8B-B14F-4D97-AF65-F5344CB8AC3E}">
@@ -6002,6 +6208,73 @@
           </a:prstGeom>
         </p:spPr>
       </p:pic>
+      <p:sp>
+        <p:nvSpPr>
+          <p:cNvPr id="10" name="TextBox 9">
+            <a:extLst>
+              <a:ext uri="{FF2B5EF4-FFF2-40B4-BE49-F238E27FC236}">
+                <a16:creationId xmlns:a16="http://schemas.microsoft.com/office/drawing/2014/main" id="{A72C197A-FF20-1492-BE03-E6D3340DEAEE}"/>
+              </a:ext>
+            </a:extLst>
+          </p:cNvPr>
+          <p:cNvSpPr txBox="1"/>
+          <p:nvPr/>
+        </p:nvSpPr>
+        <p:spPr>
+          <a:xfrm>
+            <a:off x="114677" y="6172611"/>
+            <a:ext cx="5532120" cy="461665"/>
+          </a:xfrm>
+          <a:prstGeom prst="rect">
+            <a:avLst/>
+          </a:prstGeom>
+          <a:noFill/>
+        </p:spPr>
+        <p:txBody>
+          <a:bodyPr wrap="square">
+            <a:spAutoFit/>
+          </a:bodyPr>
+          <a:lstStyle/>
+          <a:p>
+            <a:pPr algn="l"/>
+            <a:r>
+              <a:rPr lang="th-TH" sz="2400" dirty="0">
+                <a:latin typeface="TH SarabunPSK" panose="020B0500040200020003" pitchFamily="34" charset="-34"/>
+                <a:cs typeface="TH SarabunPSK" panose="020B0500040200020003" pitchFamily="34" charset="-34"/>
+              </a:rPr>
+              <a:t>โดย ผศ</a:t>
+            </a:r>
+            <a:r>
+              <a:rPr lang="en-US" sz="2400" dirty="0">
+                <a:latin typeface="TH SarabunPSK" panose="020B0500040200020003" pitchFamily="34" charset="-34"/>
+                <a:cs typeface="TH SarabunPSK" panose="020B0500040200020003" pitchFamily="34" charset="-34"/>
+              </a:rPr>
+              <a:t>. </a:t>
+            </a:r>
+            <a:r>
+              <a:rPr lang="th-TH" sz="2400" dirty="0">
+                <a:latin typeface="TH SarabunPSK" panose="020B0500040200020003" pitchFamily="34" charset="-34"/>
+                <a:cs typeface="TH SarabunPSK" panose="020B0500040200020003" pitchFamily="34" charset="-34"/>
+              </a:rPr>
+              <a:t>ดร</a:t>
+            </a:r>
+            <a:r>
+              <a:rPr lang="en-US" sz="2400" dirty="0">
+                <a:latin typeface="TH SarabunPSK" panose="020B0500040200020003" pitchFamily="34" charset="-34"/>
+                <a:cs typeface="TH SarabunPSK" panose="020B0500040200020003" pitchFamily="34" charset="-34"/>
+              </a:rPr>
+              <a:t>.</a:t>
+            </a:r>
+            <a:r>
+              <a:rPr lang="th-TH" sz="2400" dirty="0">
+                <a:latin typeface="TH SarabunPSK" panose="020B0500040200020003" pitchFamily="34" charset="-34"/>
+                <a:cs typeface="TH SarabunPSK" panose="020B0500040200020003" pitchFamily="34" charset="-34"/>
+              </a:rPr>
+              <a:t>ธนพงศ์ อินทระ สาขาวิชาสถิติ มหาวิทยาลัยขอนแก่น </a:t>
+            </a:r>
+          </a:p>
+        </p:txBody>
+      </p:sp>
     </p:spTree>
     <p:extLst>
       <p:ext uri="{BB962C8B-B14F-4D97-AF65-F5344CB8AC3E}">
@@ -7099,6 +7372,73 @@
           </a:p>
         </p:txBody>
       </p:sp>
+      <p:sp>
+        <p:nvSpPr>
+          <p:cNvPr id="9" name="TextBox 8">
+            <a:extLst>
+              <a:ext uri="{FF2B5EF4-FFF2-40B4-BE49-F238E27FC236}">
+                <a16:creationId xmlns:a16="http://schemas.microsoft.com/office/drawing/2014/main" id="{30DA7E72-72CE-8C28-649F-7AFC432D1F0B}"/>
+              </a:ext>
+            </a:extLst>
+          </p:cNvPr>
+          <p:cNvSpPr txBox="1"/>
+          <p:nvPr/>
+        </p:nvSpPr>
+        <p:spPr>
+          <a:xfrm>
+            <a:off x="114677" y="6172611"/>
+            <a:ext cx="5532120" cy="461665"/>
+          </a:xfrm>
+          <a:prstGeom prst="rect">
+            <a:avLst/>
+          </a:prstGeom>
+          <a:noFill/>
+        </p:spPr>
+        <p:txBody>
+          <a:bodyPr wrap="square">
+            <a:spAutoFit/>
+          </a:bodyPr>
+          <a:lstStyle/>
+          <a:p>
+            <a:pPr algn="l"/>
+            <a:r>
+              <a:rPr lang="th-TH" sz="2400" dirty="0">
+                <a:latin typeface="TH SarabunPSK" panose="020B0500040200020003" pitchFamily="34" charset="-34"/>
+                <a:cs typeface="TH SarabunPSK" panose="020B0500040200020003" pitchFamily="34" charset="-34"/>
+              </a:rPr>
+              <a:t>โดย ผศ</a:t>
+            </a:r>
+            <a:r>
+              <a:rPr lang="en-US" sz="2400" dirty="0">
+                <a:latin typeface="TH SarabunPSK" panose="020B0500040200020003" pitchFamily="34" charset="-34"/>
+                <a:cs typeface="TH SarabunPSK" panose="020B0500040200020003" pitchFamily="34" charset="-34"/>
+              </a:rPr>
+              <a:t>. </a:t>
+            </a:r>
+            <a:r>
+              <a:rPr lang="th-TH" sz="2400" dirty="0">
+                <a:latin typeface="TH SarabunPSK" panose="020B0500040200020003" pitchFamily="34" charset="-34"/>
+                <a:cs typeface="TH SarabunPSK" panose="020B0500040200020003" pitchFamily="34" charset="-34"/>
+              </a:rPr>
+              <a:t>ดร</a:t>
+            </a:r>
+            <a:r>
+              <a:rPr lang="en-US" sz="2400" dirty="0">
+                <a:latin typeface="TH SarabunPSK" panose="020B0500040200020003" pitchFamily="34" charset="-34"/>
+                <a:cs typeface="TH SarabunPSK" panose="020B0500040200020003" pitchFamily="34" charset="-34"/>
+              </a:rPr>
+              <a:t>.</a:t>
+            </a:r>
+            <a:r>
+              <a:rPr lang="th-TH" sz="2400" dirty="0">
+                <a:latin typeface="TH SarabunPSK" panose="020B0500040200020003" pitchFamily="34" charset="-34"/>
+                <a:cs typeface="TH SarabunPSK" panose="020B0500040200020003" pitchFamily="34" charset="-34"/>
+              </a:rPr>
+              <a:t>ธนพงศ์ อินทระ สาขาวิชาสถิติ มหาวิทยาลัยขอนแก่น </a:t>
+            </a:r>
+          </a:p>
+        </p:txBody>
+      </p:sp>
     </p:spTree>
     <p:extLst>
       <p:ext uri="{BB962C8B-B14F-4D97-AF65-F5344CB8AC3E}">
@@ -7890,6 +8230,73 @@
           </a:prstGeom>
         </p:spPr>
       </p:pic>
+      <p:sp>
+        <p:nvSpPr>
+          <p:cNvPr id="10" name="TextBox 9">
+            <a:extLst>
+              <a:ext uri="{FF2B5EF4-FFF2-40B4-BE49-F238E27FC236}">
+                <a16:creationId xmlns:a16="http://schemas.microsoft.com/office/drawing/2014/main" id="{75A35F6B-EA5F-7D89-DC57-F54E4C0DBC3E}"/>
+              </a:ext>
+            </a:extLst>
+          </p:cNvPr>
+          <p:cNvSpPr txBox="1"/>
+          <p:nvPr/>
+        </p:nvSpPr>
+        <p:spPr>
+          <a:xfrm>
+            <a:off x="114677" y="6172611"/>
+            <a:ext cx="5532120" cy="461665"/>
+          </a:xfrm>
+          <a:prstGeom prst="rect">
+            <a:avLst/>
+          </a:prstGeom>
+          <a:noFill/>
+        </p:spPr>
+        <p:txBody>
+          <a:bodyPr wrap="square">
+            <a:spAutoFit/>
+          </a:bodyPr>
+          <a:lstStyle/>
+          <a:p>
+            <a:pPr algn="l"/>
+            <a:r>
+              <a:rPr lang="th-TH" sz="2400" dirty="0">
+                <a:latin typeface="TH SarabunPSK" panose="020B0500040200020003" pitchFamily="34" charset="-34"/>
+                <a:cs typeface="TH SarabunPSK" panose="020B0500040200020003" pitchFamily="34" charset="-34"/>
+              </a:rPr>
+              <a:t>โดย ผศ</a:t>
+            </a:r>
+            <a:r>
+              <a:rPr lang="en-US" sz="2400" dirty="0">
+                <a:latin typeface="TH SarabunPSK" panose="020B0500040200020003" pitchFamily="34" charset="-34"/>
+                <a:cs typeface="TH SarabunPSK" panose="020B0500040200020003" pitchFamily="34" charset="-34"/>
+              </a:rPr>
+              <a:t>. </a:t>
+            </a:r>
+            <a:r>
+              <a:rPr lang="th-TH" sz="2400" dirty="0">
+                <a:latin typeface="TH SarabunPSK" panose="020B0500040200020003" pitchFamily="34" charset="-34"/>
+                <a:cs typeface="TH SarabunPSK" panose="020B0500040200020003" pitchFamily="34" charset="-34"/>
+              </a:rPr>
+              <a:t>ดร</a:t>
+            </a:r>
+            <a:r>
+              <a:rPr lang="en-US" sz="2400" dirty="0">
+                <a:latin typeface="TH SarabunPSK" panose="020B0500040200020003" pitchFamily="34" charset="-34"/>
+                <a:cs typeface="TH SarabunPSK" panose="020B0500040200020003" pitchFamily="34" charset="-34"/>
+              </a:rPr>
+              <a:t>.</a:t>
+            </a:r>
+            <a:r>
+              <a:rPr lang="th-TH" sz="2400" dirty="0">
+                <a:latin typeface="TH SarabunPSK" panose="020B0500040200020003" pitchFamily="34" charset="-34"/>
+                <a:cs typeface="TH SarabunPSK" panose="020B0500040200020003" pitchFamily="34" charset="-34"/>
+              </a:rPr>
+              <a:t>ธนพงศ์ อินทระ สาขาวิชาสถิติ มหาวิทยาลัยขอนแก่น </a:t>
+            </a:r>
+          </a:p>
+        </p:txBody>
+      </p:sp>
     </p:spTree>
     <p:extLst>
       <p:ext uri="{BB962C8B-B14F-4D97-AF65-F5344CB8AC3E}">
@@ -8819,6 +9226,73 @@
           </a:prstGeom>
         </p:spPr>
       </p:pic>
+      <p:sp>
+        <p:nvSpPr>
+          <p:cNvPr id="10" name="TextBox 9">
+            <a:extLst>
+              <a:ext uri="{FF2B5EF4-FFF2-40B4-BE49-F238E27FC236}">
+                <a16:creationId xmlns:a16="http://schemas.microsoft.com/office/drawing/2014/main" id="{80F85D40-0CAA-B530-A839-B6A02BE09D08}"/>
+              </a:ext>
+            </a:extLst>
+          </p:cNvPr>
+          <p:cNvSpPr txBox="1"/>
+          <p:nvPr/>
+        </p:nvSpPr>
+        <p:spPr>
+          <a:xfrm>
+            <a:off x="114677" y="6172611"/>
+            <a:ext cx="5532120" cy="461665"/>
+          </a:xfrm>
+          <a:prstGeom prst="rect">
+            <a:avLst/>
+          </a:prstGeom>
+          <a:noFill/>
+        </p:spPr>
+        <p:txBody>
+          <a:bodyPr wrap="square">
+            <a:spAutoFit/>
+          </a:bodyPr>
+          <a:lstStyle/>
+          <a:p>
+            <a:pPr algn="l"/>
+            <a:r>
+              <a:rPr lang="th-TH" sz="2400" dirty="0">
+                <a:latin typeface="TH SarabunPSK" panose="020B0500040200020003" pitchFamily="34" charset="-34"/>
+                <a:cs typeface="TH SarabunPSK" panose="020B0500040200020003" pitchFamily="34" charset="-34"/>
+              </a:rPr>
+              <a:t>โดย ผศ</a:t>
+            </a:r>
+            <a:r>
+              <a:rPr lang="en-US" sz="2400" dirty="0">
+                <a:latin typeface="TH SarabunPSK" panose="020B0500040200020003" pitchFamily="34" charset="-34"/>
+                <a:cs typeface="TH SarabunPSK" panose="020B0500040200020003" pitchFamily="34" charset="-34"/>
+              </a:rPr>
+              <a:t>. </a:t>
+            </a:r>
+            <a:r>
+              <a:rPr lang="th-TH" sz="2400" dirty="0">
+                <a:latin typeface="TH SarabunPSK" panose="020B0500040200020003" pitchFamily="34" charset="-34"/>
+                <a:cs typeface="TH SarabunPSK" panose="020B0500040200020003" pitchFamily="34" charset="-34"/>
+              </a:rPr>
+              <a:t>ดร</a:t>
+            </a:r>
+            <a:r>
+              <a:rPr lang="en-US" sz="2400" dirty="0">
+                <a:latin typeface="TH SarabunPSK" panose="020B0500040200020003" pitchFamily="34" charset="-34"/>
+                <a:cs typeface="TH SarabunPSK" panose="020B0500040200020003" pitchFamily="34" charset="-34"/>
+              </a:rPr>
+              <a:t>.</a:t>
+            </a:r>
+            <a:r>
+              <a:rPr lang="th-TH" sz="2400" dirty="0">
+                <a:latin typeface="TH SarabunPSK" panose="020B0500040200020003" pitchFamily="34" charset="-34"/>
+                <a:cs typeface="TH SarabunPSK" panose="020B0500040200020003" pitchFamily="34" charset="-34"/>
+              </a:rPr>
+              <a:t>ธนพงศ์ อินทระ สาขาวิชาสถิติ มหาวิทยาลัยขอนแก่น </a:t>
+            </a:r>
+          </a:p>
+        </p:txBody>
+      </p:sp>
     </p:spTree>
     <p:extLst>
       <p:ext uri="{BB962C8B-B14F-4D97-AF65-F5344CB8AC3E}">
@@ -9526,6 +10000,73 @@
           </a:prstGeom>
         </p:spPr>
       </p:pic>
+      <p:sp>
+        <p:nvSpPr>
+          <p:cNvPr id="10" name="TextBox 9">
+            <a:extLst>
+              <a:ext uri="{FF2B5EF4-FFF2-40B4-BE49-F238E27FC236}">
+                <a16:creationId xmlns:a16="http://schemas.microsoft.com/office/drawing/2014/main" id="{09A6D9EF-E1F3-1431-B983-A9B8B0CEAB3D}"/>
+              </a:ext>
+            </a:extLst>
+          </p:cNvPr>
+          <p:cNvSpPr txBox="1"/>
+          <p:nvPr/>
+        </p:nvSpPr>
+        <p:spPr>
+          <a:xfrm>
+            <a:off x="114677" y="6172611"/>
+            <a:ext cx="5532120" cy="461665"/>
+          </a:xfrm>
+          <a:prstGeom prst="rect">
+            <a:avLst/>
+          </a:prstGeom>
+          <a:noFill/>
+        </p:spPr>
+        <p:txBody>
+          <a:bodyPr wrap="square">
+            <a:spAutoFit/>
+          </a:bodyPr>
+          <a:lstStyle/>
+          <a:p>
+            <a:pPr algn="l"/>
+            <a:r>
+              <a:rPr lang="th-TH" sz="2400" dirty="0">
+                <a:latin typeface="TH SarabunPSK" panose="020B0500040200020003" pitchFamily="34" charset="-34"/>
+                <a:cs typeface="TH SarabunPSK" panose="020B0500040200020003" pitchFamily="34" charset="-34"/>
+              </a:rPr>
+              <a:t>โดย ผศ</a:t>
+            </a:r>
+            <a:r>
+              <a:rPr lang="en-US" sz="2400" dirty="0">
+                <a:latin typeface="TH SarabunPSK" panose="020B0500040200020003" pitchFamily="34" charset="-34"/>
+                <a:cs typeface="TH SarabunPSK" panose="020B0500040200020003" pitchFamily="34" charset="-34"/>
+              </a:rPr>
+              <a:t>. </a:t>
+            </a:r>
+            <a:r>
+              <a:rPr lang="th-TH" sz="2400" dirty="0">
+                <a:latin typeface="TH SarabunPSK" panose="020B0500040200020003" pitchFamily="34" charset="-34"/>
+                <a:cs typeface="TH SarabunPSK" panose="020B0500040200020003" pitchFamily="34" charset="-34"/>
+              </a:rPr>
+              <a:t>ดร</a:t>
+            </a:r>
+            <a:r>
+              <a:rPr lang="en-US" sz="2400" dirty="0">
+                <a:latin typeface="TH SarabunPSK" panose="020B0500040200020003" pitchFamily="34" charset="-34"/>
+                <a:cs typeface="TH SarabunPSK" panose="020B0500040200020003" pitchFamily="34" charset="-34"/>
+              </a:rPr>
+              <a:t>.</a:t>
+            </a:r>
+            <a:r>
+              <a:rPr lang="th-TH" sz="2400" dirty="0">
+                <a:latin typeface="TH SarabunPSK" panose="020B0500040200020003" pitchFamily="34" charset="-34"/>
+                <a:cs typeface="TH SarabunPSK" panose="020B0500040200020003" pitchFamily="34" charset="-34"/>
+              </a:rPr>
+              <a:t>ธนพงศ์ อินทระ สาขาวิชาสถิติ มหาวิทยาลัยขอนแก่น </a:t>
+            </a:r>
+          </a:p>
+        </p:txBody>
+      </p:sp>
     </p:spTree>
     <p:extLst>
       <p:ext uri="{BB962C8B-B14F-4D97-AF65-F5344CB8AC3E}">
@@ -10072,6 +10613,73 @@
           </a:p>
         </p:txBody>
       </p:sp>
+      <p:sp>
+        <p:nvSpPr>
+          <p:cNvPr id="9" name="TextBox 8">
+            <a:extLst>
+              <a:ext uri="{FF2B5EF4-FFF2-40B4-BE49-F238E27FC236}">
+                <a16:creationId xmlns:a16="http://schemas.microsoft.com/office/drawing/2014/main" id="{901EB081-40B4-9E85-18A0-77331275B38F}"/>
+              </a:ext>
+            </a:extLst>
+          </p:cNvPr>
+          <p:cNvSpPr txBox="1"/>
+          <p:nvPr/>
+        </p:nvSpPr>
+        <p:spPr>
+          <a:xfrm>
+            <a:off x="114677" y="6172611"/>
+            <a:ext cx="5532120" cy="461665"/>
+          </a:xfrm>
+          <a:prstGeom prst="rect">
+            <a:avLst/>
+          </a:prstGeom>
+          <a:noFill/>
+        </p:spPr>
+        <p:txBody>
+          <a:bodyPr wrap="square">
+            <a:spAutoFit/>
+          </a:bodyPr>
+          <a:lstStyle/>
+          <a:p>
+            <a:pPr algn="l"/>
+            <a:r>
+              <a:rPr lang="th-TH" sz="2400" dirty="0">
+                <a:latin typeface="TH SarabunPSK" panose="020B0500040200020003" pitchFamily="34" charset="-34"/>
+                <a:cs typeface="TH SarabunPSK" panose="020B0500040200020003" pitchFamily="34" charset="-34"/>
+              </a:rPr>
+              <a:t>โดย ผศ</a:t>
+            </a:r>
+            <a:r>
+              <a:rPr lang="en-US" sz="2400" dirty="0">
+                <a:latin typeface="TH SarabunPSK" panose="020B0500040200020003" pitchFamily="34" charset="-34"/>
+                <a:cs typeface="TH SarabunPSK" panose="020B0500040200020003" pitchFamily="34" charset="-34"/>
+              </a:rPr>
+              <a:t>. </a:t>
+            </a:r>
+            <a:r>
+              <a:rPr lang="th-TH" sz="2400" dirty="0">
+                <a:latin typeface="TH SarabunPSK" panose="020B0500040200020003" pitchFamily="34" charset="-34"/>
+                <a:cs typeface="TH SarabunPSK" panose="020B0500040200020003" pitchFamily="34" charset="-34"/>
+              </a:rPr>
+              <a:t>ดร</a:t>
+            </a:r>
+            <a:r>
+              <a:rPr lang="en-US" sz="2400" dirty="0">
+                <a:latin typeface="TH SarabunPSK" panose="020B0500040200020003" pitchFamily="34" charset="-34"/>
+                <a:cs typeface="TH SarabunPSK" panose="020B0500040200020003" pitchFamily="34" charset="-34"/>
+              </a:rPr>
+              <a:t>.</a:t>
+            </a:r>
+            <a:r>
+              <a:rPr lang="th-TH" sz="2400" dirty="0">
+                <a:latin typeface="TH SarabunPSK" panose="020B0500040200020003" pitchFamily="34" charset="-34"/>
+                <a:cs typeface="TH SarabunPSK" panose="020B0500040200020003" pitchFamily="34" charset="-34"/>
+              </a:rPr>
+              <a:t>ธนพงศ์ อินทระ สาขาวิชาสถิติ มหาวิทยาลัยขอนแก่น </a:t>
+            </a:r>
+          </a:p>
+        </p:txBody>
+      </p:sp>
     </p:spTree>
     <p:extLst>
       <p:ext uri="{BB962C8B-B14F-4D97-AF65-F5344CB8AC3E}">
@@ -11056,6 +11664,73 @@
           </a:p>
         </p:txBody>
       </p:sp>
+      <p:sp>
+        <p:nvSpPr>
+          <p:cNvPr id="9" name="TextBox 8">
+            <a:extLst>
+              <a:ext uri="{FF2B5EF4-FFF2-40B4-BE49-F238E27FC236}">
+                <a16:creationId xmlns:a16="http://schemas.microsoft.com/office/drawing/2014/main" id="{91F79252-D97B-21F9-65C3-1CD0A61D67AC}"/>
+              </a:ext>
+            </a:extLst>
+          </p:cNvPr>
+          <p:cNvSpPr txBox="1"/>
+          <p:nvPr/>
+        </p:nvSpPr>
+        <p:spPr>
+          <a:xfrm>
+            <a:off x="114677" y="6172611"/>
+            <a:ext cx="5532120" cy="461665"/>
+          </a:xfrm>
+          <a:prstGeom prst="rect">
+            <a:avLst/>
+          </a:prstGeom>
+          <a:noFill/>
+        </p:spPr>
+        <p:txBody>
+          <a:bodyPr wrap="square">
+            <a:spAutoFit/>
+          </a:bodyPr>
+          <a:lstStyle/>
+          <a:p>
+            <a:pPr algn="l"/>
+            <a:r>
+              <a:rPr lang="th-TH" sz="2400" dirty="0">
+                <a:latin typeface="TH SarabunPSK" panose="020B0500040200020003" pitchFamily="34" charset="-34"/>
+                <a:cs typeface="TH SarabunPSK" panose="020B0500040200020003" pitchFamily="34" charset="-34"/>
+              </a:rPr>
+              <a:t>โดย ผศ</a:t>
+            </a:r>
+            <a:r>
+              <a:rPr lang="en-US" sz="2400" dirty="0">
+                <a:latin typeface="TH SarabunPSK" panose="020B0500040200020003" pitchFamily="34" charset="-34"/>
+                <a:cs typeface="TH SarabunPSK" panose="020B0500040200020003" pitchFamily="34" charset="-34"/>
+              </a:rPr>
+              <a:t>. </a:t>
+            </a:r>
+            <a:r>
+              <a:rPr lang="th-TH" sz="2400" dirty="0">
+                <a:latin typeface="TH SarabunPSK" panose="020B0500040200020003" pitchFamily="34" charset="-34"/>
+                <a:cs typeface="TH SarabunPSK" panose="020B0500040200020003" pitchFamily="34" charset="-34"/>
+              </a:rPr>
+              <a:t>ดร</a:t>
+            </a:r>
+            <a:r>
+              <a:rPr lang="en-US" sz="2400" dirty="0">
+                <a:latin typeface="TH SarabunPSK" panose="020B0500040200020003" pitchFamily="34" charset="-34"/>
+                <a:cs typeface="TH SarabunPSK" panose="020B0500040200020003" pitchFamily="34" charset="-34"/>
+              </a:rPr>
+              <a:t>.</a:t>
+            </a:r>
+            <a:r>
+              <a:rPr lang="th-TH" sz="2400" dirty="0">
+                <a:latin typeface="TH SarabunPSK" panose="020B0500040200020003" pitchFamily="34" charset="-34"/>
+                <a:cs typeface="TH SarabunPSK" panose="020B0500040200020003" pitchFamily="34" charset="-34"/>
+              </a:rPr>
+              <a:t>ธนพงศ์ อินทระ สาขาวิชาสถิติ มหาวิทยาลัยขอนแก่น </a:t>
+            </a:r>
+          </a:p>
+        </p:txBody>
+      </p:sp>
     </p:spTree>
     <p:extLst>
       <p:ext uri="{BB962C8B-B14F-4D97-AF65-F5344CB8AC3E}">
@@ -11820,6 +12495,73 @@
           </a:prstGeom>
         </p:spPr>
       </p:pic>
+      <p:sp>
+        <p:nvSpPr>
+          <p:cNvPr id="10" name="TextBox 9">
+            <a:extLst>
+              <a:ext uri="{FF2B5EF4-FFF2-40B4-BE49-F238E27FC236}">
+                <a16:creationId xmlns:a16="http://schemas.microsoft.com/office/drawing/2014/main" id="{46C2E4BA-27DC-E262-1E1E-C208D9A05D0D}"/>
+              </a:ext>
+            </a:extLst>
+          </p:cNvPr>
+          <p:cNvSpPr txBox="1"/>
+          <p:nvPr/>
+        </p:nvSpPr>
+        <p:spPr>
+          <a:xfrm>
+            <a:off x="114677" y="6172611"/>
+            <a:ext cx="5532120" cy="461665"/>
+          </a:xfrm>
+          <a:prstGeom prst="rect">
+            <a:avLst/>
+          </a:prstGeom>
+          <a:noFill/>
+        </p:spPr>
+        <p:txBody>
+          <a:bodyPr wrap="square">
+            <a:spAutoFit/>
+          </a:bodyPr>
+          <a:lstStyle/>
+          <a:p>
+            <a:pPr algn="l"/>
+            <a:r>
+              <a:rPr lang="th-TH" sz="2400" dirty="0">
+                <a:latin typeface="TH SarabunPSK" panose="020B0500040200020003" pitchFamily="34" charset="-34"/>
+                <a:cs typeface="TH SarabunPSK" panose="020B0500040200020003" pitchFamily="34" charset="-34"/>
+              </a:rPr>
+              <a:t>โดย ผศ</a:t>
+            </a:r>
+            <a:r>
+              <a:rPr lang="en-US" sz="2400" dirty="0">
+                <a:latin typeface="TH SarabunPSK" panose="020B0500040200020003" pitchFamily="34" charset="-34"/>
+                <a:cs typeface="TH SarabunPSK" panose="020B0500040200020003" pitchFamily="34" charset="-34"/>
+              </a:rPr>
+              <a:t>. </a:t>
+            </a:r>
+            <a:r>
+              <a:rPr lang="th-TH" sz="2400" dirty="0">
+                <a:latin typeface="TH SarabunPSK" panose="020B0500040200020003" pitchFamily="34" charset="-34"/>
+                <a:cs typeface="TH SarabunPSK" panose="020B0500040200020003" pitchFamily="34" charset="-34"/>
+              </a:rPr>
+              <a:t>ดร</a:t>
+            </a:r>
+            <a:r>
+              <a:rPr lang="en-US" sz="2400" dirty="0">
+                <a:latin typeface="TH SarabunPSK" panose="020B0500040200020003" pitchFamily="34" charset="-34"/>
+                <a:cs typeface="TH SarabunPSK" panose="020B0500040200020003" pitchFamily="34" charset="-34"/>
+              </a:rPr>
+              <a:t>.</a:t>
+            </a:r>
+            <a:r>
+              <a:rPr lang="th-TH" sz="2400" dirty="0">
+                <a:latin typeface="TH SarabunPSK" panose="020B0500040200020003" pitchFamily="34" charset="-34"/>
+                <a:cs typeface="TH SarabunPSK" panose="020B0500040200020003" pitchFamily="34" charset="-34"/>
+              </a:rPr>
+              <a:t>ธนพงศ์ อินทระ สาขาวิชาสถิติ มหาวิทยาลัยขอนแก่น </a:t>
+            </a:r>
+          </a:p>
+        </p:txBody>
+      </p:sp>
     </p:spTree>
     <p:extLst>
       <p:ext uri="{BB962C8B-B14F-4D97-AF65-F5344CB8AC3E}">
@@ -12612,6 +13354,73 @@
           </a:prstGeom>
         </p:spPr>
       </p:pic>
+      <p:sp>
+        <p:nvSpPr>
+          <p:cNvPr id="10" name="TextBox 9">
+            <a:extLst>
+              <a:ext uri="{FF2B5EF4-FFF2-40B4-BE49-F238E27FC236}">
+                <a16:creationId xmlns:a16="http://schemas.microsoft.com/office/drawing/2014/main" id="{4E54AD0F-F6E7-EECC-DDB1-B03ECAE68268}"/>
+              </a:ext>
+            </a:extLst>
+          </p:cNvPr>
+          <p:cNvSpPr txBox="1"/>
+          <p:nvPr/>
+        </p:nvSpPr>
+        <p:spPr>
+          <a:xfrm>
+            <a:off x="114677" y="6172611"/>
+            <a:ext cx="5532120" cy="461665"/>
+          </a:xfrm>
+          <a:prstGeom prst="rect">
+            <a:avLst/>
+          </a:prstGeom>
+          <a:noFill/>
+        </p:spPr>
+        <p:txBody>
+          <a:bodyPr wrap="square">
+            <a:spAutoFit/>
+          </a:bodyPr>
+          <a:lstStyle/>
+          <a:p>
+            <a:pPr algn="l"/>
+            <a:r>
+              <a:rPr lang="th-TH" sz="2400" dirty="0">
+                <a:latin typeface="TH SarabunPSK" panose="020B0500040200020003" pitchFamily="34" charset="-34"/>
+                <a:cs typeface="TH SarabunPSK" panose="020B0500040200020003" pitchFamily="34" charset="-34"/>
+              </a:rPr>
+              <a:t>โดย ผศ</a:t>
+            </a:r>
+            <a:r>
+              <a:rPr lang="en-US" sz="2400" dirty="0">
+                <a:latin typeface="TH SarabunPSK" panose="020B0500040200020003" pitchFamily="34" charset="-34"/>
+                <a:cs typeface="TH SarabunPSK" panose="020B0500040200020003" pitchFamily="34" charset="-34"/>
+              </a:rPr>
+              <a:t>. </a:t>
+            </a:r>
+            <a:r>
+              <a:rPr lang="th-TH" sz="2400" dirty="0">
+                <a:latin typeface="TH SarabunPSK" panose="020B0500040200020003" pitchFamily="34" charset="-34"/>
+                <a:cs typeface="TH SarabunPSK" panose="020B0500040200020003" pitchFamily="34" charset="-34"/>
+              </a:rPr>
+              <a:t>ดร</a:t>
+            </a:r>
+            <a:r>
+              <a:rPr lang="en-US" sz="2400" dirty="0">
+                <a:latin typeface="TH SarabunPSK" panose="020B0500040200020003" pitchFamily="34" charset="-34"/>
+                <a:cs typeface="TH SarabunPSK" panose="020B0500040200020003" pitchFamily="34" charset="-34"/>
+              </a:rPr>
+              <a:t>.</a:t>
+            </a:r>
+            <a:r>
+              <a:rPr lang="th-TH" sz="2400" dirty="0">
+                <a:latin typeface="TH SarabunPSK" panose="020B0500040200020003" pitchFamily="34" charset="-34"/>
+                <a:cs typeface="TH SarabunPSK" panose="020B0500040200020003" pitchFamily="34" charset="-34"/>
+              </a:rPr>
+              <a:t>ธนพงศ์ อินทระ สาขาวิชาสถิติ มหาวิทยาลัยขอนแก่น </a:t>
+            </a:r>
+          </a:p>
+        </p:txBody>
+      </p:sp>
     </p:spTree>
     <p:extLst>
       <p:ext uri="{BB962C8B-B14F-4D97-AF65-F5344CB8AC3E}">
@@ -13918,6 +14727,73 @@
           </a:prstGeom>
         </p:spPr>
       </p:pic>
+      <p:sp>
+        <p:nvSpPr>
+          <p:cNvPr id="10" name="TextBox 9">
+            <a:extLst>
+              <a:ext uri="{FF2B5EF4-FFF2-40B4-BE49-F238E27FC236}">
+                <a16:creationId xmlns:a16="http://schemas.microsoft.com/office/drawing/2014/main" id="{A3E5B2D2-63C3-93B4-A9D1-D0BCA7CB0529}"/>
+              </a:ext>
+            </a:extLst>
+          </p:cNvPr>
+          <p:cNvSpPr txBox="1"/>
+          <p:nvPr/>
+        </p:nvSpPr>
+        <p:spPr>
+          <a:xfrm>
+            <a:off x="114677" y="6172611"/>
+            <a:ext cx="5532120" cy="461665"/>
+          </a:xfrm>
+          <a:prstGeom prst="rect">
+            <a:avLst/>
+          </a:prstGeom>
+          <a:noFill/>
+        </p:spPr>
+        <p:txBody>
+          <a:bodyPr wrap="square">
+            <a:spAutoFit/>
+          </a:bodyPr>
+          <a:lstStyle/>
+          <a:p>
+            <a:pPr algn="l"/>
+            <a:r>
+              <a:rPr lang="th-TH" sz="2400" dirty="0">
+                <a:latin typeface="TH SarabunPSK" panose="020B0500040200020003" pitchFamily="34" charset="-34"/>
+                <a:cs typeface="TH SarabunPSK" panose="020B0500040200020003" pitchFamily="34" charset="-34"/>
+              </a:rPr>
+              <a:t>โดย ผศ</a:t>
+            </a:r>
+            <a:r>
+              <a:rPr lang="en-US" sz="2400" dirty="0">
+                <a:latin typeface="TH SarabunPSK" panose="020B0500040200020003" pitchFamily="34" charset="-34"/>
+                <a:cs typeface="TH SarabunPSK" panose="020B0500040200020003" pitchFamily="34" charset="-34"/>
+              </a:rPr>
+              <a:t>. </a:t>
+            </a:r>
+            <a:r>
+              <a:rPr lang="th-TH" sz="2400" dirty="0">
+                <a:latin typeface="TH SarabunPSK" panose="020B0500040200020003" pitchFamily="34" charset="-34"/>
+                <a:cs typeface="TH SarabunPSK" panose="020B0500040200020003" pitchFamily="34" charset="-34"/>
+              </a:rPr>
+              <a:t>ดร</a:t>
+            </a:r>
+            <a:r>
+              <a:rPr lang="en-US" sz="2400" dirty="0">
+                <a:latin typeface="TH SarabunPSK" panose="020B0500040200020003" pitchFamily="34" charset="-34"/>
+                <a:cs typeface="TH SarabunPSK" panose="020B0500040200020003" pitchFamily="34" charset="-34"/>
+              </a:rPr>
+              <a:t>.</a:t>
+            </a:r>
+            <a:r>
+              <a:rPr lang="th-TH" sz="2400" dirty="0">
+                <a:latin typeface="TH SarabunPSK" panose="020B0500040200020003" pitchFamily="34" charset="-34"/>
+                <a:cs typeface="TH SarabunPSK" panose="020B0500040200020003" pitchFamily="34" charset="-34"/>
+              </a:rPr>
+              <a:t>ธนพงศ์ อินทระ สาขาวิชาสถิติ มหาวิทยาลัยขอนแก่น </a:t>
+            </a:r>
+          </a:p>
+        </p:txBody>
+      </p:sp>
     </p:spTree>
     <p:extLst>
       <p:ext uri="{BB962C8B-B14F-4D97-AF65-F5344CB8AC3E}">
@@ -14948,6 +15824,73 @@
           </a:p>
         </p:txBody>
       </p:sp>
+      <p:sp>
+        <p:nvSpPr>
+          <p:cNvPr id="9" name="TextBox 8">
+            <a:extLst>
+              <a:ext uri="{FF2B5EF4-FFF2-40B4-BE49-F238E27FC236}">
+                <a16:creationId xmlns:a16="http://schemas.microsoft.com/office/drawing/2014/main" id="{9B428B84-94D1-D3A4-9EE3-52829ECCC6AC}"/>
+              </a:ext>
+            </a:extLst>
+          </p:cNvPr>
+          <p:cNvSpPr txBox="1"/>
+          <p:nvPr/>
+        </p:nvSpPr>
+        <p:spPr>
+          <a:xfrm>
+            <a:off x="114677" y="6172611"/>
+            <a:ext cx="5532120" cy="461665"/>
+          </a:xfrm>
+          <a:prstGeom prst="rect">
+            <a:avLst/>
+          </a:prstGeom>
+          <a:noFill/>
+        </p:spPr>
+        <p:txBody>
+          <a:bodyPr wrap="square">
+            <a:spAutoFit/>
+          </a:bodyPr>
+          <a:lstStyle/>
+          <a:p>
+            <a:pPr algn="l"/>
+            <a:r>
+              <a:rPr lang="th-TH" sz="2400" dirty="0">
+                <a:latin typeface="TH SarabunPSK" panose="020B0500040200020003" pitchFamily="34" charset="-34"/>
+                <a:cs typeface="TH SarabunPSK" panose="020B0500040200020003" pitchFamily="34" charset="-34"/>
+              </a:rPr>
+              <a:t>โดย ผศ</a:t>
+            </a:r>
+            <a:r>
+              <a:rPr lang="en-US" sz="2400" dirty="0">
+                <a:latin typeface="TH SarabunPSK" panose="020B0500040200020003" pitchFamily="34" charset="-34"/>
+                <a:cs typeface="TH SarabunPSK" panose="020B0500040200020003" pitchFamily="34" charset="-34"/>
+              </a:rPr>
+              <a:t>. </a:t>
+            </a:r>
+            <a:r>
+              <a:rPr lang="th-TH" sz="2400" dirty="0">
+                <a:latin typeface="TH SarabunPSK" panose="020B0500040200020003" pitchFamily="34" charset="-34"/>
+                <a:cs typeface="TH SarabunPSK" panose="020B0500040200020003" pitchFamily="34" charset="-34"/>
+              </a:rPr>
+              <a:t>ดร</a:t>
+            </a:r>
+            <a:r>
+              <a:rPr lang="en-US" sz="2400" dirty="0">
+                <a:latin typeface="TH SarabunPSK" panose="020B0500040200020003" pitchFamily="34" charset="-34"/>
+                <a:cs typeface="TH SarabunPSK" panose="020B0500040200020003" pitchFamily="34" charset="-34"/>
+              </a:rPr>
+              <a:t>.</a:t>
+            </a:r>
+            <a:r>
+              <a:rPr lang="th-TH" sz="2400" dirty="0">
+                <a:latin typeface="TH SarabunPSK" panose="020B0500040200020003" pitchFamily="34" charset="-34"/>
+                <a:cs typeface="TH SarabunPSK" panose="020B0500040200020003" pitchFamily="34" charset="-34"/>
+              </a:rPr>
+              <a:t>ธนพงศ์ อินทระ สาขาวิชาสถิติ มหาวิทยาลัยขอนแก่น </a:t>
+            </a:r>
+          </a:p>
+        </p:txBody>
+      </p:sp>
     </p:spTree>
     <p:extLst>
       <p:ext uri="{BB962C8B-B14F-4D97-AF65-F5344CB8AC3E}">
@@ -15765,6 +16708,73 @@
           </a:prstGeom>
         </p:spPr>
       </p:pic>
+      <p:sp>
+        <p:nvSpPr>
+          <p:cNvPr id="10" name="TextBox 9">
+            <a:extLst>
+              <a:ext uri="{FF2B5EF4-FFF2-40B4-BE49-F238E27FC236}">
+                <a16:creationId xmlns:a16="http://schemas.microsoft.com/office/drawing/2014/main" id="{12035D80-149D-9DBC-6DDD-78DE691C3421}"/>
+              </a:ext>
+            </a:extLst>
+          </p:cNvPr>
+          <p:cNvSpPr txBox="1"/>
+          <p:nvPr/>
+        </p:nvSpPr>
+        <p:spPr>
+          <a:xfrm>
+            <a:off x="114677" y="6172611"/>
+            <a:ext cx="5532120" cy="461665"/>
+          </a:xfrm>
+          <a:prstGeom prst="rect">
+            <a:avLst/>
+          </a:prstGeom>
+          <a:noFill/>
+        </p:spPr>
+        <p:txBody>
+          <a:bodyPr wrap="square">
+            <a:spAutoFit/>
+          </a:bodyPr>
+          <a:lstStyle/>
+          <a:p>
+            <a:pPr algn="l"/>
+            <a:r>
+              <a:rPr lang="th-TH" sz="2400" dirty="0">
+                <a:latin typeface="TH SarabunPSK" panose="020B0500040200020003" pitchFamily="34" charset="-34"/>
+                <a:cs typeface="TH SarabunPSK" panose="020B0500040200020003" pitchFamily="34" charset="-34"/>
+              </a:rPr>
+              <a:t>โดย ผศ</a:t>
+            </a:r>
+            <a:r>
+              <a:rPr lang="en-US" sz="2400" dirty="0">
+                <a:latin typeface="TH SarabunPSK" panose="020B0500040200020003" pitchFamily="34" charset="-34"/>
+                <a:cs typeface="TH SarabunPSK" panose="020B0500040200020003" pitchFamily="34" charset="-34"/>
+              </a:rPr>
+              <a:t>. </a:t>
+            </a:r>
+            <a:r>
+              <a:rPr lang="th-TH" sz="2400" dirty="0">
+                <a:latin typeface="TH SarabunPSK" panose="020B0500040200020003" pitchFamily="34" charset="-34"/>
+                <a:cs typeface="TH SarabunPSK" panose="020B0500040200020003" pitchFamily="34" charset="-34"/>
+              </a:rPr>
+              <a:t>ดร</a:t>
+            </a:r>
+            <a:r>
+              <a:rPr lang="en-US" sz="2400" dirty="0">
+                <a:latin typeface="TH SarabunPSK" panose="020B0500040200020003" pitchFamily="34" charset="-34"/>
+                <a:cs typeface="TH SarabunPSK" panose="020B0500040200020003" pitchFamily="34" charset="-34"/>
+              </a:rPr>
+              <a:t>.</a:t>
+            </a:r>
+            <a:r>
+              <a:rPr lang="th-TH" sz="2400" dirty="0">
+                <a:latin typeface="TH SarabunPSK" panose="020B0500040200020003" pitchFamily="34" charset="-34"/>
+                <a:cs typeface="TH SarabunPSK" panose="020B0500040200020003" pitchFamily="34" charset="-34"/>
+              </a:rPr>
+              <a:t>ธนพงศ์ อินทระ สาขาวิชาสถิติ มหาวิทยาลัยขอนแก่น </a:t>
+            </a:r>
+          </a:p>
+        </p:txBody>
+      </p:sp>
     </p:spTree>
     <p:extLst>
       <p:ext uri="{BB962C8B-B14F-4D97-AF65-F5344CB8AC3E}">
@@ -16690,6 +17700,73 @@
           </a:prstGeom>
         </p:spPr>
       </p:pic>
+      <p:sp>
+        <p:nvSpPr>
+          <p:cNvPr id="10" name="TextBox 9">
+            <a:extLst>
+              <a:ext uri="{FF2B5EF4-FFF2-40B4-BE49-F238E27FC236}">
+                <a16:creationId xmlns:a16="http://schemas.microsoft.com/office/drawing/2014/main" id="{3F096E42-A69D-2123-B054-87CFAFBAC22A}"/>
+              </a:ext>
+            </a:extLst>
+          </p:cNvPr>
+          <p:cNvSpPr txBox="1"/>
+          <p:nvPr/>
+        </p:nvSpPr>
+        <p:spPr>
+          <a:xfrm>
+            <a:off x="114677" y="6172611"/>
+            <a:ext cx="5532120" cy="461665"/>
+          </a:xfrm>
+          <a:prstGeom prst="rect">
+            <a:avLst/>
+          </a:prstGeom>
+          <a:noFill/>
+        </p:spPr>
+        <p:txBody>
+          <a:bodyPr wrap="square">
+            <a:spAutoFit/>
+          </a:bodyPr>
+          <a:lstStyle/>
+          <a:p>
+            <a:pPr algn="l"/>
+            <a:r>
+              <a:rPr lang="th-TH" sz="2400" dirty="0">
+                <a:latin typeface="TH SarabunPSK" panose="020B0500040200020003" pitchFamily="34" charset="-34"/>
+                <a:cs typeface="TH SarabunPSK" panose="020B0500040200020003" pitchFamily="34" charset="-34"/>
+              </a:rPr>
+              <a:t>โดย ผศ</a:t>
+            </a:r>
+            <a:r>
+              <a:rPr lang="en-US" sz="2400" dirty="0">
+                <a:latin typeface="TH SarabunPSK" panose="020B0500040200020003" pitchFamily="34" charset="-34"/>
+                <a:cs typeface="TH SarabunPSK" panose="020B0500040200020003" pitchFamily="34" charset="-34"/>
+              </a:rPr>
+              <a:t>. </a:t>
+            </a:r>
+            <a:r>
+              <a:rPr lang="th-TH" sz="2400" dirty="0">
+                <a:latin typeface="TH SarabunPSK" panose="020B0500040200020003" pitchFamily="34" charset="-34"/>
+                <a:cs typeface="TH SarabunPSK" panose="020B0500040200020003" pitchFamily="34" charset="-34"/>
+              </a:rPr>
+              <a:t>ดร</a:t>
+            </a:r>
+            <a:r>
+              <a:rPr lang="en-US" sz="2400" dirty="0">
+                <a:latin typeface="TH SarabunPSK" panose="020B0500040200020003" pitchFamily="34" charset="-34"/>
+                <a:cs typeface="TH SarabunPSK" panose="020B0500040200020003" pitchFamily="34" charset="-34"/>
+              </a:rPr>
+              <a:t>.</a:t>
+            </a:r>
+            <a:r>
+              <a:rPr lang="th-TH" sz="2400" dirty="0">
+                <a:latin typeface="TH SarabunPSK" panose="020B0500040200020003" pitchFamily="34" charset="-34"/>
+                <a:cs typeface="TH SarabunPSK" panose="020B0500040200020003" pitchFamily="34" charset="-34"/>
+              </a:rPr>
+              <a:t>ธนพงศ์ อินทระ สาขาวิชาสถิติ มหาวิทยาลัยขอนแก่น </a:t>
+            </a:r>
+          </a:p>
+        </p:txBody>
+      </p:sp>
     </p:spTree>
     <p:extLst>
       <p:ext uri="{BB962C8B-B14F-4D97-AF65-F5344CB8AC3E}">
